--- a/Weekly/Weekly Summary.pptx
+++ b/Weekly/Weekly Summary.pptx
@@ -203,7 +203,7 @@
           <a:p>
             <a:fld id="{97AA29BE-90D3-453E-BCA3-9C9A36AE1283}" type="datetimeFigureOut">
               <a:rPr lang="fr-FR" smtClean="0"/>
-              <a:t>04/11/2023</a:t>
+              <a:t>07/11/2023</a:t>
             </a:fld>
             <a:endParaRPr lang="fr-FR"/>
           </a:p>
@@ -869,7 +869,7 @@
           <a:p>
             <a:fld id="{50E6F2E4-EC72-4332-BBE8-543D85D64276}" type="datetimeFigureOut">
               <a:rPr lang="fr-FR" smtClean="0"/>
-              <a:t>04/11/2023</a:t>
+              <a:t>07/11/2023</a:t>
             </a:fld>
             <a:endParaRPr lang="fr-FR"/>
           </a:p>
@@ -1067,7 +1067,7 @@
           <a:p>
             <a:fld id="{50E6F2E4-EC72-4332-BBE8-543D85D64276}" type="datetimeFigureOut">
               <a:rPr lang="fr-FR" smtClean="0"/>
-              <a:t>04/11/2023</a:t>
+              <a:t>07/11/2023</a:t>
             </a:fld>
             <a:endParaRPr lang="fr-FR"/>
           </a:p>
@@ -1275,7 +1275,7 @@
           <a:p>
             <a:fld id="{50E6F2E4-EC72-4332-BBE8-543D85D64276}" type="datetimeFigureOut">
               <a:rPr lang="fr-FR" smtClean="0"/>
-              <a:t>04/11/2023</a:t>
+              <a:t>07/11/2023</a:t>
             </a:fld>
             <a:endParaRPr lang="fr-FR"/>
           </a:p>
@@ -1473,7 +1473,7 @@
           <a:p>
             <a:fld id="{50E6F2E4-EC72-4332-BBE8-543D85D64276}" type="datetimeFigureOut">
               <a:rPr lang="fr-FR" smtClean="0"/>
-              <a:t>04/11/2023</a:t>
+              <a:t>07/11/2023</a:t>
             </a:fld>
             <a:endParaRPr lang="fr-FR"/>
           </a:p>
@@ -1748,7 +1748,7 @@
           <a:p>
             <a:fld id="{50E6F2E4-EC72-4332-BBE8-543D85D64276}" type="datetimeFigureOut">
               <a:rPr lang="fr-FR" smtClean="0"/>
-              <a:t>04/11/2023</a:t>
+              <a:t>07/11/2023</a:t>
             </a:fld>
             <a:endParaRPr lang="fr-FR"/>
           </a:p>
@@ -2013,7 +2013,7 @@
           <a:p>
             <a:fld id="{50E6F2E4-EC72-4332-BBE8-543D85D64276}" type="datetimeFigureOut">
               <a:rPr lang="fr-FR" smtClean="0"/>
-              <a:t>04/11/2023</a:t>
+              <a:t>07/11/2023</a:t>
             </a:fld>
             <a:endParaRPr lang="fr-FR"/>
           </a:p>
@@ -2425,7 +2425,7 @@
           <a:p>
             <a:fld id="{50E6F2E4-EC72-4332-BBE8-543D85D64276}" type="datetimeFigureOut">
               <a:rPr lang="fr-FR" smtClean="0"/>
-              <a:t>04/11/2023</a:t>
+              <a:t>07/11/2023</a:t>
             </a:fld>
             <a:endParaRPr lang="fr-FR"/>
           </a:p>
@@ -2566,7 +2566,7 @@
           <a:p>
             <a:fld id="{50E6F2E4-EC72-4332-BBE8-543D85D64276}" type="datetimeFigureOut">
               <a:rPr lang="fr-FR" smtClean="0"/>
-              <a:t>04/11/2023</a:t>
+              <a:t>07/11/2023</a:t>
             </a:fld>
             <a:endParaRPr lang="fr-FR"/>
           </a:p>
@@ -2679,7 +2679,7 @@
           <a:p>
             <a:fld id="{50E6F2E4-EC72-4332-BBE8-543D85D64276}" type="datetimeFigureOut">
               <a:rPr lang="fr-FR" smtClean="0"/>
-              <a:t>04/11/2023</a:t>
+              <a:t>07/11/2023</a:t>
             </a:fld>
             <a:endParaRPr lang="fr-FR"/>
           </a:p>
@@ -2990,7 +2990,7 @@
           <a:p>
             <a:fld id="{50E6F2E4-EC72-4332-BBE8-543D85D64276}" type="datetimeFigureOut">
               <a:rPr lang="fr-FR" smtClean="0"/>
-              <a:t>04/11/2023</a:t>
+              <a:t>07/11/2023</a:t>
             </a:fld>
             <a:endParaRPr lang="fr-FR"/>
           </a:p>
@@ -3278,7 +3278,7 @@
           <a:p>
             <a:fld id="{50E6F2E4-EC72-4332-BBE8-543D85D64276}" type="datetimeFigureOut">
               <a:rPr lang="fr-FR" smtClean="0"/>
-              <a:t>04/11/2023</a:t>
+              <a:t>07/11/2023</a:t>
             </a:fld>
             <a:endParaRPr lang="fr-FR"/>
           </a:p>
@@ -3519,7 +3519,7 @@
           <a:p>
             <a:fld id="{50E6F2E4-EC72-4332-BBE8-543D85D64276}" type="datetimeFigureOut">
               <a:rPr lang="fr-FR" smtClean="0"/>
-              <a:t>04/11/2023</a:t>
+              <a:t>07/11/2023</a:t>
             </a:fld>
             <a:endParaRPr lang="fr-FR"/>
           </a:p>
@@ -7698,21 +7698,13 @@
               </a:p>
               <a:p>
                 <a:r>
-                  <a:rPr lang="en-GB" dirty="0">
-                    <a:solidFill>
-                      <a:srgbClr val="FF0000"/>
-                    </a:solidFill>
-                  </a:rPr>
+                  <a:rPr lang="en-GB" dirty="0"/>
                   <a:t>- GitHub Repository</a:t>
                 </a:r>
               </a:p>
               <a:p>
                 <a:r>
-                  <a:rPr lang="en-GB" dirty="0">
-                    <a:solidFill>
-                      <a:srgbClr val="FF0000"/>
-                    </a:solidFill>
-                  </a:rPr>
+                  <a:rPr lang="en-GB" dirty="0"/>
                   <a:t>- Running the code on the SSH</a:t>
                 </a:r>
               </a:p>
@@ -7730,7 +7722,44 @@
                       <a:srgbClr val="FF0000"/>
                     </a:solidFill>
                   </a:rPr>
-                  <a:t>Accel for parallelized computing</a:t>
+                  <a:t>Parallelized computing “accel” ? </a:t>
+                </a:r>
+                <a14:m>
+                  <m:oMath xmlns:m="http://schemas.openxmlformats.org/officeDocument/2006/math">
+                    <m:r>
+                      <a:rPr lang="en-GB" b="0" i="1" smtClean="0">
+                        <a:solidFill>
+                          <a:srgbClr val="FF0000"/>
+                        </a:solidFill>
+                        <a:latin typeface="Cambria Math" panose="02040503050406030204" pitchFamily="18" charset="0"/>
+                      </a:rPr>
+                      <m:t>→</m:t>
+                    </m:r>
+                  </m:oMath>
+                </a14:m>
+                <a:r>
+                  <a:rPr lang="en-GB" dirty="0">
+                    <a:solidFill>
+                      <a:srgbClr val="FF0000"/>
+                    </a:solidFill>
+                  </a:rPr>
+                  <a:t> </a:t>
+                </a:r>
+                <a:r>
+                  <a:rPr lang="en-GB" dirty="0" err="1">
+                    <a:solidFill>
+                      <a:srgbClr val="FF0000"/>
+                    </a:solidFill>
+                  </a:rPr>
+                  <a:t>PyTorch</a:t>
+                </a:r>
+                <a:r>
+                  <a:rPr lang="en-GB" dirty="0">
+                    <a:solidFill>
+                      <a:srgbClr val="FF0000"/>
+                    </a:solidFill>
+                  </a:rPr>
+                  <a:t> has it </a:t>
                 </a:r>
               </a:p>
               <a:p>
@@ -7738,21 +7767,13 @@
               </a:p>
               <a:p>
                 <a:r>
-                  <a:rPr lang="en-GB" dirty="0">
-                    <a:solidFill>
-                      <a:srgbClr val="FF0000"/>
-                    </a:solidFill>
-                  </a:rPr>
+                  <a:rPr lang="en-GB" dirty="0"/>
                   <a:t>Report : </a:t>
                 </a:r>
               </a:p>
               <a:p>
                 <a:r>
-                  <a:rPr lang="en-GB" dirty="0">
-                    <a:solidFill>
-                      <a:srgbClr val="FF0000"/>
-                    </a:solidFill>
-                  </a:rPr>
+                  <a:rPr lang="en-GB" dirty="0"/>
                   <a:t>- Motivating the subject, </a:t>
                 </a:r>
               </a:p>
@@ -7763,39 +7784,51 @@
                       <a:srgbClr val="FF0000"/>
                     </a:solidFill>
                   </a:rPr>
-                  <a:t>- Previous research on this topic, </a:t>
+                  <a:t>- Previous research on this topic, (</a:t>
                 </a:r>
-              </a:p>
-              <a:p>
+                <a:r>
+                  <a:rPr lang="en-GB" dirty="0">
+                    <a:solidFill>
+                      <a:srgbClr val="FF0000"/>
+                    </a:solidFill>
+                    <a:hlinkClick r:id="rId3"/>
+                  </a:rPr>
+                  <a:t>https://www.jair.org/index.php/jair/article/view/12839/26707</a:t>
+                </a:r>
                 <a:r>
                   <a:rPr lang="en-GB" dirty="0">
                     <a:solidFill>
                       <a:srgbClr val="FF0000"/>
                     </a:solidFill>
                   </a:rPr>
-                  <a:t>- Formal description of the problem, </a:t>
+                  <a:t>)</a:t>
                 </a:r>
               </a:p>
               <a:p>
+                <a:r>
+                  <a:rPr lang="en-GB" dirty="0"/>
+                  <a:t>- Formal description of the problem and metrics,</a:t>
+                </a:r>
+              </a:p>
+              <a:p>
+                <a:r>
+                  <a:rPr lang="en-GB" dirty="0"/>
+                  <a:t>- Why is this problem challenging and not yet solved, </a:t>
+                </a:r>
+              </a:p>
+              <a:p>
+                <a:r>
+                  <a:rPr lang="en-GB" dirty="0"/>
+                  <a:t>- Different paradigms and </a:t>
+                </a:r>
                 <a:r>
                   <a:rPr lang="en-GB" dirty="0">
                     <a:solidFill>
                       <a:srgbClr val="FF0000"/>
                     </a:solidFill>
                   </a:rPr>
-                  <a:t>- Why is this problem challenging and not yet solvable, </a:t>
+                  <a:t>formal description of the current classifier approach</a:t>
                 </a:r>
-              </a:p>
-              <a:p>
-                <a:r>
-                  <a:rPr lang="en-GB" dirty="0">
-                    <a:solidFill>
-                      <a:srgbClr val="FF0000"/>
-                    </a:solidFill>
-                  </a:rPr>
-                  <a:t>- Formal description of the current classifier approach</a:t>
-                </a:r>
-                <a:endParaRPr lang="en-GB" dirty="0"/>
               </a:p>
               <a:p>
                 <a:endParaRPr lang="en-GB" dirty="0"/>
@@ -7853,7 +7886,7 @@
                 </a14:m>
                 <a:r>
                   <a:rPr lang="en-GB" dirty="0"/>
-                  <a:t> greedy for pairwise distances to order + distances, try to batch sentences for BERT, from BERT to new model, database with pages, implement the full end-to-end transformer</a:t>
+                  <a:t> greedy for pairwise distances to order + distances, try to batch sentences for BERT, from BERT to JINA, database with pages, implement the full end-to-end transformer, chapter clustering, transformer classifier</a:t>
                 </a:r>
               </a:p>
             </p:txBody>
@@ -7883,7 +7916,7 @@
                 <a:avLst/>
               </a:prstGeom>
               <a:blipFill>
-                <a:blip r:embed="rId3"/>
+                <a:blip r:embed="rId4"/>
                 <a:stretch>
                   <a:fillRect l="-501" t="-619" r="-111" b="-722"/>
                 </a:stretch>

--- a/Weekly/Weekly Summary.pptx
+++ b/Weekly/Weekly Summary.pptx
@@ -5,7 +5,7 @@
     <p:sldMasterId id="2147483648" r:id="rId1"/>
   </p:sldMasterIdLst>
   <p:notesMasterIdLst>
-    <p:notesMasterId r:id="rId9"/>
+    <p:notesMasterId r:id="rId13"/>
   </p:notesMasterIdLst>
   <p:sldIdLst>
     <p:sldId id="256" r:id="rId2"/>
@@ -15,6 +15,10 @@
     <p:sldId id="260" r:id="rId6"/>
     <p:sldId id="261" r:id="rId7"/>
     <p:sldId id="262" r:id="rId8"/>
+    <p:sldId id="263" r:id="rId9"/>
+    <p:sldId id="264" r:id="rId10"/>
+    <p:sldId id="265" r:id="rId11"/>
+    <p:sldId id="266" r:id="rId12"/>
   </p:sldIdLst>
   <p:sldSz cx="12192000" cy="6858000"/>
   <p:notesSz cx="6858000" cy="9144000"/>
@@ -203,7 +207,7 @@
           <a:p>
             <a:fld id="{97AA29BE-90D3-453E-BCA3-9C9A36AE1283}" type="datetimeFigureOut">
               <a:rPr lang="fr-FR" smtClean="0"/>
-              <a:t>07/11/2023</a:t>
+              <a:t>01/12/2023</a:t>
             </a:fld>
             <a:endParaRPr lang="fr-FR"/>
           </a:p>
@@ -722,6 +726,342 @@
 </p:notes>
 </file>
 
+<file path=ppt/notesSlides/notesSlide4.xml><?xml version="1.0" encoding="utf-8"?>
+<p:notes xmlns:a="http://schemas.openxmlformats.org/drawingml/2006/main" xmlns:r="http://schemas.openxmlformats.org/officeDocument/2006/relationships" xmlns:p="http://schemas.openxmlformats.org/presentationml/2006/main">
+  <p:cSld>
+    <p:spTree>
+      <p:nvGrpSpPr>
+        <p:cNvPr id="1" name=""/>
+        <p:cNvGrpSpPr/>
+        <p:nvPr/>
+      </p:nvGrpSpPr>
+      <p:grpSpPr>
+        <a:xfrm>
+          <a:off x="0" y="0"/>
+          <a:ext cx="0" cy="0"/>
+          <a:chOff x="0" y="0"/>
+          <a:chExt cx="0" cy="0"/>
+        </a:xfrm>
+      </p:grpSpPr>
+      <p:sp>
+        <p:nvSpPr>
+          <p:cNvPr id="2" name="Espace réservé de l'image des diapositives 1"/>
+          <p:cNvSpPr>
+            <a:spLocks noGrp="1" noRot="1" noChangeAspect="1"/>
+          </p:cNvSpPr>
+          <p:nvPr>
+            <p:ph type="sldImg"/>
+          </p:nvPr>
+        </p:nvSpPr>
+        <p:spPr/>
+      </p:sp>
+      <p:sp>
+        <p:nvSpPr>
+          <p:cNvPr id="3" name="Espace réservé des notes 2"/>
+          <p:cNvSpPr>
+            <a:spLocks noGrp="1"/>
+          </p:cNvSpPr>
+          <p:nvPr>
+            <p:ph type="body" idx="1"/>
+          </p:nvPr>
+        </p:nvSpPr>
+        <p:spPr/>
+        <p:txBody>
+          <a:bodyPr/>
+          <a:lstStyle/>
+          <a:p>
+            <a:endParaRPr lang="fr-FR" dirty="0"/>
+          </a:p>
+        </p:txBody>
+      </p:sp>
+      <p:sp>
+        <p:nvSpPr>
+          <p:cNvPr id="4" name="Espace réservé du numéro de diapositive 3"/>
+          <p:cNvSpPr>
+            <a:spLocks noGrp="1"/>
+          </p:cNvSpPr>
+          <p:nvPr>
+            <p:ph type="sldNum" sz="quarter" idx="5"/>
+          </p:nvPr>
+        </p:nvSpPr>
+        <p:spPr/>
+        <p:txBody>
+          <a:bodyPr/>
+          <a:lstStyle/>
+          <a:p>
+            <a:fld id="{FDB0F7BE-B017-4278-85E3-97FDD79827FF}" type="slidenum">
+              <a:rPr lang="fr-FR" smtClean="0"/>
+              <a:t>8</a:t>
+            </a:fld>
+            <a:endParaRPr lang="fr-FR"/>
+          </a:p>
+        </p:txBody>
+      </p:sp>
+    </p:spTree>
+    <p:extLst>
+      <p:ext uri="{BB962C8B-B14F-4D97-AF65-F5344CB8AC3E}">
+        <p14:creationId xmlns:p14="http://schemas.microsoft.com/office/powerpoint/2010/main" val="2204808614"/>
+      </p:ext>
+    </p:extLst>
+  </p:cSld>
+  <p:clrMapOvr>
+    <a:masterClrMapping/>
+  </p:clrMapOvr>
+</p:notes>
+</file>
+
+<file path=ppt/notesSlides/notesSlide5.xml><?xml version="1.0" encoding="utf-8"?>
+<p:notes xmlns:a="http://schemas.openxmlformats.org/drawingml/2006/main" xmlns:r="http://schemas.openxmlformats.org/officeDocument/2006/relationships" xmlns:p="http://schemas.openxmlformats.org/presentationml/2006/main">
+  <p:cSld>
+    <p:spTree>
+      <p:nvGrpSpPr>
+        <p:cNvPr id="1" name=""/>
+        <p:cNvGrpSpPr/>
+        <p:nvPr/>
+      </p:nvGrpSpPr>
+      <p:grpSpPr>
+        <a:xfrm>
+          <a:off x="0" y="0"/>
+          <a:ext cx="0" cy="0"/>
+          <a:chOff x="0" y="0"/>
+          <a:chExt cx="0" cy="0"/>
+        </a:xfrm>
+      </p:grpSpPr>
+      <p:sp>
+        <p:nvSpPr>
+          <p:cNvPr id="2" name="Espace réservé de l'image des diapositives 1"/>
+          <p:cNvSpPr>
+            <a:spLocks noGrp="1" noRot="1" noChangeAspect="1"/>
+          </p:cNvSpPr>
+          <p:nvPr>
+            <p:ph type="sldImg"/>
+          </p:nvPr>
+        </p:nvSpPr>
+        <p:spPr/>
+      </p:sp>
+      <p:sp>
+        <p:nvSpPr>
+          <p:cNvPr id="3" name="Espace réservé des notes 2"/>
+          <p:cNvSpPr>
+            <a:spLocks noGrp="1"/>
+          </p:cNvSpPr>
+          <p:nvPr>
+            <p:ph type="body" idx="1"/>
+          </p:nvPr>
+        </p:nvSpPr>
+        <p:spPr/>
+        <p:txBody>
+          <a:bodyPr/>
+          <a:lstStyle/>
+          <a:p>
+            <a:endParaRPr lang="fr-FR" dirty="0"/>
+          </a:p>
+        </p:txBody>
+      </p:sp>
+      <p:sp>
+        <p:nvSpPr>
+          <p:cNvPr id="4" name="Espace réservé du numéro de diapositive 3"/>
+          <p:cNvSpPr>
+            <a:spLocks noGrp="1"/>
+          </p:cNvSpPr>
+          <p:nvPr>
+            <p:ph type="sldNum" sz="quarter" idx="5"/>
+          </p:nvPr>
+        </p:nvSpPr>
+        <p:spPr/>
+        <p:txBody>
+          <a:bodyPr/>
+          <a:lstStyle/>
+          <a:p>
+            <a:fld id="{FDB0F7BE-B017-4278-85E3-97FDD79827FF}" type="slidenum">
+              <a:rPr lang="fr-FR" smtClean="0"/>
+              <a:t>9</a:t>
+            </a:fld>
+            <a:endParaRPr lang="fr-FR"/>
+          </a:p>
+        </p:txBody>
+      </p:sp>
+    </p:spTree>
+    <p:extLst>
+      <p:ext uri="{BB962C8B-B14F-4D97-AF65-F5344CB8AC3E}">
+        <p14:creationId xmlns:p14="http://schemas.microsoft.com/office/powerpoint/2010/main" val="2698432744"/>
+      </p:ext>
+    </p:extLst>
+  </p:cSld>
+  <p:clrMapOvr>
+    <a:masterClrMapping/>
+  </p:clrMapOvr>
+</p:notes>
+</file>
+
+<file path=ppt/notesSlides/notesSlide6.xml><?xml version="1.0" encoding="utf-8"?>
+<p:notes xmlns:a="http://schemas.openxmlformats.org/drawingml/2006/main" xmlns:r="http://schemas.openxmlformats.org/officeDocument/2006/relationships" xmlns:p="http://schemas.openxmlformats.org/presentationml/2006/main">
+  <p:cSld>
+    <p:spTree>
+      <p:nvGrpSpPr>
+        <p:cNvPr id="1" name=""/>
+        <p:cNvGrpSpPr/>
+        <p:nvPr/>
+      </p:nvGrpSpPr>
+      <p:grpSpPr>
+        <a:xfrm>
+          <a:off x="0" y="0"/>
+          <a:ext cx="0" cy="0"/>
+          <a:chOff x="0" y="0"/>
+          <a:chExt cx="0" cy="0"/>
+        </a:xfrm>
+      </p:grpSpPr>
+      <p:sp>
+        <p:nvSpPr>
+          <p:cNvPr id="2" name="Espace réservé de l'image des diapositives 1"/>
+          <p:cNvSpPr>
+            <a:spLocks noGrp="1" noRot="1" noChangeAspect="1"/>
+          </p:cNvSpPr>
+          <p:nvPr>
+            <p:ph type="sldImg"/>
+          </p:nvPr>
+        </p:nvSpPr>
+        <p:spPr/>
+      </p:sp>
+      <p:sp>
+        <p:nvSpPr>
+          <p:cNvPr id="3" name="Espace réservé des notes 2"/>
+          <p:cNvSpPr>
+            <a:spLocks noGrp="1"/>
+          </p:cNvSpPr>
+          <p:nvPr>
+            <p:ph type="body" idx="1"/>
+          </p:nvPr>
+        </p:nvSpPr>
+        <p:spPr/>
+        <p:txBody>
+          <a:bodyPr/>
+          <a:lstStyle/>
+          <a:p>
+            <a:endParaRPr lang="fr-FR" dirty="0"/>
+          </a:p>
+        </p:txBody>
+      </p:sp>
+      <p:sp>
+        <p:nvSpPr>
+          <p:cNvPr id="4" name="Espace réservé du numéro de diapositive 3"/>
+          <p:cNvSpPr>
+            <a:spLocks noGrp="1"/>
+          </p:cNvSpPr>
+          <p:nvPr>
+            <p:ph type="sldNum" sz="quarter" idx="5"/>
+          </p:nvPr>
+        </p:nvSpPr>
+        <p:spPr/>
+        <p:txBody>
+          <a:bodyPr/>
+          <a:lstStyle/>
+          <a:p>
+            <a:fld id="{FDB0F7BE-B017-4278-85E3-97FDD79827FF}" type="slidenum">
+              <a:rPr lang="fr-FR" smtClean="0"/>
+              <a:t>10</a:t>
+            </a:fld>
+            <a:endParaRPr lang="fr-FR"/>
+          </a:p>
+        </p:txBody>
+      </p:sp>
+    </p:spTree>
+    <p:extLst>
+      <p:ext uri="{BB962C8B-B14F-4D97-AF65-F5344CB8AC3E}">
+        <p14:creationId xmlns:p14="http://schemas.microsoft.com/office/powerpoint/2010/main" val="2101370268"/>
+      </p:ext>
+    </p:extLst>
+  </p:cSld>
+  <p:clrMapOvr>
+    <a:masterClrMapping/>
+  </p:clrMapOvr>
+</p:notes>
+</file>
+
+<file path=ppt/notesSlides/notesSlide7.xml><?xml version="1.0" encoding="utf-8"?>
+<p:notes xmlns:a="http://schemas.openxmlformats.org/drawingml/2006/main" xmlns:r="http://schemas.openxmlformats.org/officeDocument/2006/relationships" xmlns:p="http://schemas.openxmlformats.org/presentationml/2006/main">
+  <p:cSld>
+    <p:spTree>
+      <p:nvGrpSpPr>
+        <p:cNvPr id="1" name=""/>
+        <p:cNvGrpSpPr/>
+        <p:nvPr/>
+      </p:nvGrpSpPr>
+      <p:grpSpPr>
+        <a:xfrm>
+          <a:off x="0" y="0"/>
+          <a:ext cx="0" cy="0"/>
+          <a:chOff x="0" y="0"/>
+          <a:chExt cx="0" cy="0"/>
+        </a:xfrm>
+      </p:grpSpPr>
+      <p:sp>
+        <p:nvSpPr>
+          <p:cNvPr id="2" name="Espace réservé de l'image des diapositives 1"/>
+          <p:cNvSpPr>
+            <a:spLocks noGrp="1" noRot="1" noChangeAspect="1"/>
+          </p:cNvSpPr>
+          <p:nvPr>
+            <p:ph type="sldImg"/>
+          </p:nvPr>
+        </p:nvSpPr>
+        <p:spPr/>
+      </p:sp>
+      <p:sp>
+        <p:nvSpPr>
+          <p:cNvPr id="3" name="Espace réservé des notes 2"/>
+          <p:cNvSpPr>
+            <a:spLocks noGrp="1"/>
+          </p:cNvSpPr>
+          <p:nvPr>
+            <p:ph type="body" idx="1"/>
+          </p:nvPr>
+        </p:nvSpPr>
+        <p:spPr/>
+        <p:txBody>
+          <a:bodyPr/>
+          <a:lstStyle/>
+          <a:p>
+            <a:endParaRPr lang="fr-FR" dirty="0"/>
+          </a:p>
+        </p:txBody>
+      </p:sp>
+      <p:sp>
+        <p:nvSpPr>
+          <p:cNvPr id="4" name="Espace réservé du numéro de diapositive 3"/>
+          <p:cNvSpPr>
+            <a:spLocks noGrp="1"/>
+          </p:cNvSpPr>
+          <p:nvPr>
+            <p:ph type="sldNum" sz="quarter" idx="5"/>
+          </p:nvPr>
+        </p:nvSpPr>
+        <p:spPr/>
+        <p:txBody>
+          <a:bodyPr/>
+          <a:lstStyle/>
+          <a:p>
+            <a:fld id="{FDB0F7BE-B017-4278-85E3-97FDD79827FF}" type="slidenum">
+              <a:rPr lang="fr-FR" smtClean="0"/>
+              <a:t>11</a:t>
+            </a:fld>
+            <a:endParaRPr lang="fr-FR"/>
+          </a:p>
+        </p:txBody>
+      </p:sp>
+    </p:spTree>
+    <p:extLst>
+      <p:ext uri="{BB962C8B-B14F-4D97-AF65-F5344CB8AC3E}">
+        <p14:creationId xmlns:p14="http://schemas.microsoft.com/office/powerpoint/2010/main" val="3241166088"/>
+      </p:ext>
+    </p:extLst>
+  </p:cSld>
+  <p:clrMapOvr>
+    <a:masterClrMapping/>
+  </p:clrMapOvr>
+</p:notes>
+</file>
+
 <file path=ppt/slideLayouts/slideLayout1.xml><?xml version="1.0" encoding="utf-8"?>
 <p:sldLayout xmlns:a="http://schemas.openxmlformats.org/drawingml/2006/main" xmlns:r="http://schemas.openxmlformats.org/officeDocument/2006/relationships" xmlns:p="http://schemas.openxmlformats.org/presentationml/2006/main" type="title" preserve="1">
   <p:cSld name="Diapositive de titre">
@@ -869,7 +1209,7 @@
           <a:p>
             <a:fld id="{50E6F2E4-EC72-4332-BBE8-543D85D64276}" type="datetimeFigureOut">
               <a:rPr lang="fr-FR" smtClean="0"/>
-              <a:t>07/11/2023</a:t>
+              <a:t>01/12/2023</a:t>
             </a:fld>
             <a:endParaRPr lang="fr-FR"/>
           </a:p>
@@ -1067,7 +1407,7 @@
           <a:p>
             <a:fld id="{50E6F2E4-EC72-4332-BBE8-543D85D64276}" type="datetimeFigureOut">
               <a:rPr lang="fr-FR" smtClean="0"/>
-              <a:t>07/11/2023</a:t>
+              <a:t>01/12/2023</a:t>
             </a:fld>
             <a:endParaRPr lang="fr-FR"/>
           </a:p>
@@ -1275,7 +1615,7 @@
           <a:p>
             <a:fld id="{50E6F2E4-EC72-4332-BBE8-543D85D64276}" type="datetimeFigureOut">
               <a:rPr lang="fr-FR" smtClean="0"/>
-              <a:t>07/11/2023</a:t>
+              <a:t>01/12/2023</a:t>
             </a:fld>
             <a:endParaRPr lang="fr-FR"/>
           </a:p>
@@ -1473,7 +1813,7 @@
           <a:p>
             <a:fld id="{50E6F2E4-EC72-4332-BBE8-543D85D64276}" type="datetimeFigureOut">
               <a:rPr lang="fr-FR" smtClean="0"/>
-              <a:t>07/11/2023</a:t>
+              <a:t>01/12/2023</a:t>
             </a:fld>
             <a:endParaRPr lang="fr-FR"/>
           </a:p>
@@ -1748,7 +2088,7 @@
           <a:p>
             <a:fld id="{50E6F2E4-EC72-4332-BBE8-543D85D64276}" type="datetimeFigureOut">
               <a:rPr lang="fr-FR" smtClean="0"/>
-              <a:t>07/11/2023</a:t>
+              <a:t>01/12/2023</a:t>
             </a:fld>
             <a:endParaRPr lang="fr-FR"/>
           </a:p>
@@ -2013,7 +2353,7 @@
           <a:p>
             <a:fld id="{50E6F2E4-EC72-4332-BBE8-543D85D64276}" type="datetimeFigureOut">
               <a:rPr lang="fr-FR" smtClean="0"/>
-              <a:t>07/11/2023</a:t>
+              <a:t>01/12/2023</a:t>
             </a:fld>
             <a:endParaRPr lang="fr-FR"/>
           </a:p>
@@ -2425,7 +2765,7 @@
           <a:p>
             <a:fld id="{50E6F2E4-EC72-4332-BBE8-543D85D64276}" type="datetimeFigureOut">
               <a:rPr lang="fr-FR" smtClean="0"/>
-              <a:t>07/11/2023</a:t>
+              <a:t>01/12/2023</a:t>
             </a:fld>
             <a:endParaRPr lang="fr-FR"/>
           </a:p>
@@ -2566,7 +2906,7 @@
           <a:p>
             <a:fld id="{50E6F2E4-EC72-4332-BBE8-543D85D64276}" type="datetimeFigureOut">
               <a:rPr lang="fr-FR" smtClean="0"/>
-              <a:t>07/11/2023</a:t>
+              <a:t>01/12/2023</a:t>
             </a:fld>
             <a:endParaRPr lang="fr-FR"/>
           </a:p>
@@ -2679,7 +3019,7 @@
           <a:p>
             <a:fld id="{50E6F2E4-EC72-4332-BBE8-543D85D64276}" type="datetimeFigureOut">
               <a:rPr lang="fr-FR" smtClean="0"/>
-              <a:t>07/11/2023</a:t>
+              <a:t>01/12/2023</a:t>
             </a:fld>
             <a:endParaRPr lang="fr-FR"/>
           </a:p>
@@ -2990,7 +3330,7 @@
           <a:p>
             <a:fld id="{50E6F2E4-EC72-4332-BBE8-543D85D64276}" type="datetimeFigureOut">
               <a:rPr lang="fr-FR" smtClean="0"/>
-              <a:t>07/11/2023</a:t>
+              <a:t>01/12/2023</a:t>
             </a:fld>
             <a:endParaRPr lang="fr-FR"/>
           </a:p>
@@ -3278,7 +3618,7 @@
           <a:p>
             <a:fld id="{50E6F2E4-EC72-4332-BBE8-543D85D64276}" type="datetimeFigureOut">
               <a:rPr lang="fr-FR" smtClean="0"/>
-              <a:t>07/11/2023</a:t>
+              <a:t>01/12/2023</a:t>
             </a:fld>
             <a:endParaRPr lang="fr-FR"/>
           </a:p>
@@ -3519,7 +3859,7 @@
           <a:p>
             <a:fld id="{50E6F2E4-EC72-4332-BBE8-543D85D64276}" type="datetimeFigureOut">
               <a:rPr lang="fr-FR" smtClean="0"/>
-              <a:t>07/11/2023</a:t>
+              <a:t>01/12/2023</a:t>
             </a:fld>
             <a:endParaRPr lang="fr-FR"/>
           </a:p>
@@ -4027,6 +4367,430 @@
     <p:extLst>
       <p:ext uri="{BB962C8B-B14F-4D97-AF65-F5344CB8AC3E}">
         <p14:creationId xmlns:p14="http://schemas.microsoft.com/office/powerpoint/2010/main" val="3364975550"/>
+      </p:ext>
+    </p:extLst>
+  </p:cSld>
+  <p:clrMapOvr>
+    <a:masterClrMapping/>
+  </p:clrMapOvr>
+</p:sld>
+</file>
+
+<file path=ppt/slides/slide10.xml><?xml version="1.0" encoding="utf-8"?>
+<p:sld xmlns:a="http://schemas.openxmlformats.org/drawingml/2006/main" xmlns:r="http://schemas.openxmlformats.org/officeDocument/2006/relationships" xmlns:p="http://schemas.openxmlformats.org/presentationml/2006/main">
+  <p:cSld>
+    <p:spTree>
+      <p:nvGrpSpPr>
+        <p:cNvPr id="1" name=""/>
+        <p:cNvGrpSpPr/>
+        <p:nvPr/>
+      </p:nvGrpSpPr>
+      <p:grpSpPr>
+        <a:xfrm>
+          <a:off x="0" y="0"/>
+          <a:ext cx="0" cy="0"/>
+          <a:chOff x="0" y="0"/>
+          <a:chExt cx="0" cy="0"/>
+        </a:xfrm>
+      </p:grpSpPr>
+      <p:sp>
+        <p:nvSpPr>
+          <p:cNvPr id="4" name="ZoneTexte 3">
+            <a:extLst>
+              <a:ext uri="{FF2B5EF4-FFF2-40B4-BE49-F238E27FC236}">
+                <a16:creationId xmlns:a16="http://schemas.microsoft.com/office/drawing/2014/main" id="{93BDDC07-B45F-9C22-1E02-FC384ED8FCA7}"/>
+              </a:ext>
+            </a:extLst>
+          </p:cNvPr>
+          <p:cNvSpPr txBox="1"/>
+          <p:nvPr/>
+        </p:nvSpPr>
+        <p:spPr>
+          <a:xfrm>
+            <a:off x="614038" y="474345"/>
+            <a:ext cx="10963923" cy="5909310"/>
+          </a:xfrm>
+          <a:prstGeom prst="rect">
+            <a:avLst/>
+          </a:prstGeom>
+          <a:noFill/>
+        </p:spPr>
+        <p:txBody>
+          <a:bodyPr wrap="square" rtlCol="0">
+            <a:spAutoFit/>
+          </a:bodyPr>
+          <a:lstStyle/>
+          <a:p>
+            <a:r>
+              <a:rPr lang="en-GB" dirty="0">
+                <a:solidFill>
+                  <a:srgbClr val="FF0000"/>
+                </a:solidFill>
+              </a:rPr>
+              <a:t>Finished implementation of full end-to-end transformer</a:t>
+            </a:r>
+          </a:p>
+          <a:p>
+            <a:endParaRPr lang="en-GB" dirty="0">
+              <a:solidFill>
+                <a:srgbClr val="FF0000"/>
+              </a:solidFill>
+            </a:endParaRPr>
+          </a:p>
+          <a:p>
+            <a:r>
+              <a:rPr lang="en-GB" dirty="0">
+                <a:solidFill>
+                  <a:srgbClr val="FF0000"/>
+                </a:solidFill>
+              </a:rPr>
+              <a:t>Test results:</a:t>
+            </a:r>
+          </a:p>
+          <a:p>
+            <a:endParaRPr lang="en-GB" dirty="0">
+              <a:solidFill>
+                <a:srgbClr val="FF0000"/>
+              </a:solidFill>
+            </a:endParaRPr>
+          </a:p>
+          <a:p>
+            <a:r>
+              <a:rPr lang="en-GB" dirty="0">
+                <a:solidFill>
+                  <a:srgbClr val="FF0000"/>
+                </a:solidFill>
+              </a:rPr>
+              <a:t>Started implementing the permutation invariant method</a:t>
+            </a:r>
+          </a:p>
+          <a:p>
+            <a:endParaRPr lang="en-GB" dirty="0">
+              <a:solidFill>
+                <a:srgbClr val="FF0000"/>
+              </a:solidFill>
+            </a:endParaRPr>
+          </a:p>
+          <a:p>
+            <a:endParaRPr lang="en-GB" dirty="0">
+              <a:solidFill>
+                <a:srgbClr val="FF0000"/>
+              </a:solidFill>
+            </a:endParaRPr>
+          </a:p>
+          <a:p>
+            <a:endParaRPr lang="en-GB" dirty="0">
+              <a:solidFill>
+                <a:srgbClr val="FF0000"/>
+              </a:solidFill>
+            </a:endParaRPr>
+          </a:p>
+          <a:p>
+            <a:endParaRPr lang="en-GB" dirty="0">
+              <a:solidFill>
+                <a:srgbClr val="FF0000"/>
+              </a:solidFill>
+            </a:endParaRPr>
+          </a:p>
+          <a:p>
+            <a:endParaRPr lang="en-GB" dirty="0">
+              <a:solidFill>
+                <a:srgbClr val="FF0000"/>
+              </a:solidFill>
+            </a:endParaRPr>
+          </a:p>
+          <a:p>
+            <a:endParaRPr lang="en-GB" dirty="0">
+              <a:solidFill>
+                <a:srgbClr val="FF0000"/>
+              </a:solidFill>
+            </a:endParaRPr>
+          </a:p>
+          <a:p>
+            <a:endParaRPr lang="en-GB" dirty="0">
+              <a:solidFill>
+                <a:srgbClr val="FF0000"/>
+              </a:solidFill>
+            </a:endParaRPr>
+          </a:p>
+          <a:p>
+            <a:endParaRPr lang="en-GB" dirty="0">
+              <a:solidFill>
+                <a:srgbClr val="FF0000"/>
+              </a:solidFill>
+            </a:endParaRPr>
+          </a:p>
+          <a:p>
+            <a:endParaRPr lang="en-GB" dirty="0">
+              <a:solidFill>
+                <a:srgbClr val="FF0000"/>
+              </a:solidFill>
+            </a:endParaRPr>
+          </a:p>
+          <a:p>
+            <a:endParaRPr lang="en-GB" dirty="0">
+              <a:solidFill>
+                <a:srgbClr val="FF0000"/>
+              </a:solidFill>
+            </a:endParaRPr>
+          </a:p>
+          <a:p>
+            <a:endParaRPr lang="en-GB" dirty="0">
+              <a:solidFill>
+                <a:srgbClr val="FF0000"/>
+              </a:solidFill>
+            </a:endParaRPr>
+          </a:p>
+          <a:p>
+            <a:endParaRPr lang="en-GB" dirty="0"/>
+          </a:p>
+          <a:p>
+            <a:endParaRPr lang="en-GB" dirty="0"/>
+          </a:p>
+          <a:p>
+            <a:endParaRPr lang="en-GB" dirty="0"/>
+          </a:p>
+          <a:p>
+            <a:r>
+              <a:rPr lang="en-GB" dirty="0"/>
+              <a:t>Next steps : finish to implement permutation invariant method, maybe TSP genetic algorithm, TSP polynomial 1.5-approximation (</a:t>
+            </a:r>
+            <a:r>
+              <a:rPr lang="en-GB" dirty="0" err="1">
+                <a:hlinkClick r:id="rId3"/>
+              </a:rPr>
+              <a:t>Karlin</a:t>
+            </a:r>
+            <a:r>
+              <a:rPr lang="en-GB" dirty="0"/>
+              <a:t>), chapter clustering and intent detection (</a:t>
+            </a:r>
+            <a:r>
+              <a:rPr lang="en-GB" dirty="0">
+                <a:hlinkClick r:id="rId4"/>
+              </a:rPr>
+              <a:t>COPA</a:t>
+            </a:r>
+            <a:r>
+              <a:rPr lang="en-GB" dirty="0"/>
+              <a:t>)</a:t>
+            </a:r>
+          </a:p>
+        </p:txBody>
+      </p:sp>
+    </p:spTree>
+    <p:extLst>
+      <p:ext uri="{BB962C8B-B14F-4D97-AF65-F5344CB8AC3E}">
+        <p14:creationId xmlns:p14="http://schemas.microsoft.com/office/powerpoint/2010/main" val="1832435426"/>
+      </p:ext>
+    </p:extLst>
+  </p:cSld>
+  <p:clrMapOvr>
+    <a:masterClrMapping/>
+  </p:clrMapOvr>
+</p:sld>
+</file>
+
+<file path=ppt/slides/slide11.xml><?xml version="1.0" encoding="utf-8"?>
+<p:sld xmlns:a="http://schemas.openxmlformats.org/drawingml/2006/main" xmlns:r="http://schemas.openxmlformats.org/officeDocument/2006/relationships" xmlns:p="http://schemas.openxmlformats.org/presentationml/2006/main">
+  <p:cSld>
+    <p:spTree>
+      <p:nvGrpSpPr>
+        <p:cNvPr id="1" name=""/>
+        <p:cNvGrpSpPr/>
+        <p:nvPr/>
+      </p:nvGrpSpPr>
+      <p:grpSpPr>
+        <a:xfrm>
+          <a:off x="0" y="0"/>
+          <a:ext cx="0" cy="0"/>
+          <a:chOff x="0" y="0"/>
+          <a:chExt cx="0" cy="0"/>
+        </a:xfrm>
+      </p:grpSpPr>
+      <p:sp>
+        <p:nvSpPr>
+          <p:cNvPr id="4" name="ZoneTexte 3">
+            <a:extLst>
+              <a:ext uri="{FF2B5EF4-FFF2-40B4-BE49-F238E27FC236}">
+                <a16:creationId xmlns:a16="http://schemas.microsoft.com/office/drawing/2014/main" id="{93BDDC07-B45F-9C22-1E02-FC384ED8FCA7}"/>
+              </a:ext>
+            </a:extLst>
+          </p:cNvPr>
+          <p:cNvSpPr txBox="1"/>
+          <p:nvPr/>
+        </p:nvSpPr>
+        <p:spPr>
+          <a:xfrm>
+            <a:off x="614038" y="474345"/>
+            <a:ext cx="10963923" cy="5909310"/>
+          </a:xfrm>
+          <a:prstGeom prst="rect">
+            <a:avLst/>
+          </a:prstGeom>
+          <a:noFill/>
+        </p:spPr>
+        <p:txBody>
+          <a:bodyPr wrap="square" rtlCol="0">
+            <a:spAutoFit/>
+          </a:bodyPr>
+          <a:lstStyle/>
+          <a:p>
+            <a:r>
+              <a:rPr lang="en-GB" dirty="0">
+                <a:solidFill>
+                  <a:srgbClr val="FF0000"/>
+                </a:solidFill>
+              </a:rPr>
+              <a:t>Finished implementing the permutation invariant method</a:t>
+            </a:r>
+          </a:p>
+          <a:p>
+            <a:endParaRPr lang="en-GB" dirty="0">
+              <a:solidFill>
+                <a:srgbClr val="FF0000"/>
+              </a:solidFill>
+            </a:endParaRPr>
+          </a:p>
+          <a:p>
+            <a:endParaRPr lang="en-GB" dirty="0">
+              <a:solidFill>
+                <a:srgbClr val="FF0000"/>
+              </a:solidFill>
+            </a:endParaRPr>
+          </a:p>
+          <a:p>
+            <a:endParaRPr lang="en-GB" dirty="0">
+              <a:solidFill>
+                <a:srgbClr val="FF0000"/>
+              </a:solidFill>
+            </a:endParaRPr>
+          </a:p>
+          <a:p>
+            <a:endParaRPr lang="en-GB" dirty="0">
+              <a:solidFill>
+                <a:srgbClr val="FF0000"/>
+              </a:solidFill>
+            </a:endParaRPr>
+          </a:p>
+          <a:p>
+            <a:endParaRPr lang="en-GB" dirty="0">
+              <a:solidFill>
+                <a:srgbClr val="FF0000"/>
+              </a:solidFill>
+            </a:endParaRPr>
+          </a:p>
+          <a:p>
+            <a:endParaRPr lang="en-GB" dirty="0">
+              <a:solidFill>
+                <a:srgbClr val="FF0000"/>
+              </a:solidFill>
+            </a:endParaRPr>
+          </a:p>
+          <a:p>
+            <a:endParaRPr lang="en-GB" dirty="0">
+              <a:solidFill>
+                <a:srgbClr val="FF0000"/>
+              </a:solidFill>
+            </a:endParaRPr>
+          </a:p>
+          <a:p>
+            <a:endParaRPr lang="en-GB" dirty="0">
+              <a:solidFill>
+                <a:srgbClr val="FF0000"/>
+              </a:solidFill>
+            </a:endParaRPr>
+          </a:p>
+          <a:p>
+            <a:endParaRPr lang="en-GB" dirty="0">
+              <a:solidFill>
+                <a:srgbClr val="FF0000"/>
+              </a:solidFill>
+            </a:endParaRPr>
+          </a:p>
+          <a:p>
+            <a:endParaRPr lang="en-GB" dirty="0">
+              <a:solidFill>
+                <a:srgbClr val="FF0000"/>
+              </a:solidFill>
+            </a:endParaRPr>
+          </a:p>
+          <a:p>
+            <a:endParaRPr lang="en-GB" dirty="0">
+              <a:solidFill>
+                <a:srgbClr val="FF0000"/>
+              </a:solidFill>
+            </a:endParaRPr>
+          </a:p>
+          <a:p>
+            <a:endParaRPr lang="en-GB" dirty="0">
+              <a:solidFill>
+                <a:srgbClr val="FF0000"/>
+              </a:solidFill>
+            </a:endParaRPr>
+          </a:p>
+          <a:p>
+            <a:endParaRPr lang="en-GB" dirty="0">
+              <a:solidFill>
+                <a:srgbClr val="FF0000"/>
+              </a:solidFill>
+            </a:endParaRPr>
+          </a:p>
+          <a:p>
+            <a:endParaRPr lang="en-GB" dirty="0">
+              <a:solidFill>
+                <a:srgbClr val="FF0000"/>
+              </a:solidFill>
+            </a:endParaRPr>
+          </a:p>
+          <a:p>
+            <a:endParaRPr lang="en-GB" dirty="0">
+              <a:solidFill>
+                <a:srgbClr val="FF0000"/>
+              </a:solidFill>
+            </a:endParaRPr>
+          </a:p>
+          <a:p>
+            <a:endParaRPr lang="en-GB" dirty="0"/>
+          </a:p>
+          <a:p>
+            <a:endParaRPr lang="en-GB" dirty="0"/>
+          </a:p>
+          <a:p>
+            <a:endParaRPr lang="en-GB" dirty="0"/>
+          </a:p>
+          <a:p>
+            <a:r>
+              <a:rPr lang="en-GB" dirty="0"/>
+              <a:t>Next steps : improve permutation invariant method, maybe TSP genetic algorithm, TSP polynomial 1.5-approximation (</a:t>
+            </a:r>
+            <a:r>
+              <a:rPr lang="en-GB" dirty="0" err="1">
+                <a:hlinkClick r:id="rId3"/>
+              </a:rPr>
+              <a:t>Karlin</a:t>
+            </a:r>
+            <a:r>
+              <a:rPr lang="en-GB" dirty="0"/>
+              <a:t>), chapter clustering and intent detection (</a:t>
+            </a:r>
+            <a:r>
+              <a:rPr lang="en-GB" dirty="0">
+                <a:hlinkClick r:id="rId4"/>
+              </a:rPr>
+              <a:t>COPA</a:t>
+            </a:r>
+            <a:r>
+              <a:rPr lang="en-GB" dirty="0"/>
+              <a:t>)</a:t>
+            </a:r>
+          </a:p>
+        </p:txBody>
+      </p:sp>
+    </p:spTree>
+    <p:extLst>
+      <p:ext uri="{BB962C8B-B14F-4D97-AF65-F5344CB8AC3E}">
+        <p14:creationId xmlns:p14="http://schemas.microsoft.com/office/powerpoint/2010/main" val="3095217225"/>
       </p:ext>
     </p:extLst>
   </p:cSld>
@@ -7606,6 +8370,514 @@
           <a:chExt cx="0" cy="0"/>
         </a:xfrm>
       </p:grpSpPr>
+      <mc:AlternateContent xmlns:mc="http://schemas.openxmlformats.org/markup-compatibility/2006" xmlns:a14="http://schemas.microsoft.com/office/drawing/2010/main">
+        <mc:Choice Requires="a14">
+          <p:sp>
+            <p:nvSpPr>
+              <p:cNvPr id="4" name="ZoneTexte 3">
+                <a:extLst>
+                  <a:ext uri="{FF2B5EF4-FFF2-40B4-BE49-F238E27FC236}">
+                    <a16:creationId xmlns:a16="http://schemas.microsoft.com/office/drawing/2014/main" id="{93BDDC07-B45F-9C22-1E02-FC384ED8FCA7}"/>
+                  </a:ext>
+                </a:extLst>
+              </p:cNvPr>
+              <p:cNvSpPr txBox="1"/>
+              <p:nvPr/>
+            </p:nvSpPr>
+            <p:spPr>
+              <a:xfrm>
+                <a:off x="614038" y="474345"/>
+                <a:ext cx="10963923" cy="5909310"/>
+              </a:xfrm>
+              <a:prstGeom prst="rect">
+                <a:avLst/>
+              </a:prstGeom>
+              <a:noFill/>
+            </p:spPr>
+            <p:txBody>
+              <a:bodyPr wrap="square" rtlCol="0">
+                <a:spAutoFit/>
+              </a:bodyPr>
+              <a:lstStyle/>
+              <a:p>
+                <a:r>
+                  <a:rPr lang="en-GB" dirty="0"/>
+                  <a:t>We don’t get different sizes of vectors for different books, just a different number of page (fixed code)</a:t>
+                </a:r>
+              </a:p>
+              <a:p>
+                <a:endParaRPr lang="en-GB" dirty="0"/>
+              </a:p>
+              <a:p>
+                <a:r>
+                  <a:rPr lang="en-GB" dirty="0"/>
+                  <a:t>Training on several books, test accuracy </a:t>
+                </a:r>
+                <a14:m>
+                  <m:oMath xmlns:m="http://schemas.openxmlformats.org/officeDocument/2006/math">
+                    <m:r>
+                      <a:rPr lang="en-GB" b="0" i="1" smtClean="0">
+                        <a:latin typeface="Cambria Math" panose="02040503050406030204" pitchFamily="18" charset="0"/>
+                      </a:rPr>
+                      <m:t>=58%</m:t>
+                    </m:r>
+                  </m:oMath>
+                </a14:m>
+                <a:r>
+                  <a:rPr lang="en-GB" dirty="0"/>
+                  <a:t>, accuracy on new book </a:t>
+                </a:r>
+                <a14:m>
+                  <m:oMath xmlns:m="http://schemas.openxmlformats.org/officeDocument/2006/math">
+                    <m:r>
+                      <a:rPr lang="en-GB" b="0" i="1" smtClean="0">
+                        <a:latin typeface="Cambria Math" panose="02040503050406030204" pitchFamily="18" charset="0"/>
+                      </a:rPr>
+                      <m:t>=57%</m:t>
+                    </m:r>
+                  </m:oMath>
+                </a14:m>
+                <a:endParaRPr lang="en-GB" dirty="0"/>
+              </a:p>
+              <a:p>
+                <a:endParaRPr lang="en-GB" dirty="0"/>
+              </a:p>
+              <a:p>
+                <a:r>
+                  <a:rPr lang="en-GB" dirty="0"/>
+                  <a:t>Setup : </a:t>
+                </a:r>
+              </a:p>
+              <a:p>
+                <a:r>
+                  <a:rPr lang="en-GB" dirty="0"/>
+                  <a:t>- EPFL VPN</a:t>
+                </a:r>
+              </a:p>
+              <a:p>
+                <a:r>
+                  <a:rPr lang="en-GB" dirty="0"/>
+                  <a:t>- SSH to GPU server on VS Code</a:t>
+                </a:r>
+              </a:p>
+              <a:p>
+                <a:r>
+                  <a:rPr lang="en-GB" dirty="0"/>
+                  <a:t>- GitHub Repository</a:t>
+                </a:r>
+              </a:p>
+              <a:p>
+                <a:r>
+                  <a:rPr lang="en-GB" dirty="0"/>
+                  <a:t>- Running the code on the SSH</a:t>
+                </a:r>
+              </a:p>
+              <a:p>
+                <a:endParaRPr lang="en-GB" dirty="0">
+                  <a:solidFill>
+                    <a:srgbClr val="FF0000"/>
+                  </a:solidFill>
+                </a:endParaRPr>
+              </a:p>
+              <a:p>
+                <a:r>
+                  <a:rPr lang="en-GB" dirty="0">
+                    <a:solidFill>
+                      <a:schemeClr val="tx1"/>
+                    </a:solidFill>
+                  </a:rPr>
+                  <a:t>Parallelized computing “accelerate”</a:t>
+                </a:r>
+              </a:p>
+              <a:p>
+                <a:endParaRPr lang="en-GB" dirty="0"/>
+              </a:p>
+              <a:p>
+                <a:r>
+                  <a:rPr lang="en-GB" dirty="0"/>
+                  <a:t>Report : </a:t>
+                </a:r>
+              </a:p>
+              <a:p>
+                <a:r>
+                  <a:rPr lang="en-GB" dirty="0"/>
+                  <a:t>- Motivating the subject, </a:t>
+                </a:r>
+              </a:p>
+              <a:p>
+                <a:r>
+                  <a:rPr lang="en-GB" dirty="0">
+                    <a:solidFill>
+                      <a:srgbClr val="FF0000"/>
+                    </a:solidFill>
+                  </a:rPr>
+                  <a:t>- Previous research on this topic, (</a:t>
+                </a:r>
+                <a:r>
+                  <a:rPr lang="en-GB" dirty="0">
+                    <a:solidFill>
+                      <a:srgbClr val="FF0000"/>
+                    </a:solidFill>
+                    <a:hlinkClick r:id="rId3"/>
+                  </a:rPr>
+                  <a:t>https://www.jair.org/index.php/jair/article/view/12839/26707</a:t>
+                </a:r>
+                <a:r>
+                  <a:rPr lang="en-GB" dirty="0">
+                    <a:solidFill>
+                      <a:srgbClr val="FF0000"/>
+                    </a:solidFill>
+                  </a:rPr>
+                  <a:t>)</a:t>
+                </a:r>
+              </a:p>
+              <a:p>
+                <a:r>
+                  <a:rPr lang="en-GB" dirty="0"/>
+                  <a:t>- Formal description of the problem and metrics,</a:t>
+                </a:r>
+              </a:p>
+              <a:p>
+                <a:r>
+                  <a:rPr lang="en-GB" dirty="0"/>
+                  <a:t>- Why is this problem challenging and not yet solved, </a:t>
+                </a:r>
+              </a:p>
+              <a:p>
+                <a:r>
+                  <a:rPr lang="en-GB" dirty="0"/>
+                  <a:t>- Different paradigms and </a:t>
+                </a:r>
+                <a:r>
+                  <a:rPr lang="en-GB" dirty="0">
+                    <a:solidFill>
+                      <a:srgbClr val="FF0000"/>
+                    </a:solidFill>
+                  </a:rPr>
+                  <a:t>formal description of the current classifier approach</a:t>
+                </a:r>
+              </a:p>
+              <a:p>
+                <a:endParaRPr lang="en-GB" dirty="0"/>
+              </a:p>
+              <a:p>
+                <a:r>
+                  <a:rPr lang="en-GB" dirty="0"/>
+                  <a:t>Next steps : from BERT to JINA, batch sentences, database with pages, literature review for pairwise order to global order, implement the full end-to-end transformer, chapter clustering</a:t>
+                </a:r>
+              </a:p>
+            </p:txBody>
+          </p:sp>
+        </mc:Choice>
+        <mc:Fallback xmlns="">
+          <p:sp>
+            <p:nvSpPr>
+              <p:cNvPr id="4" name="ZoneTexte 3">
+                <a:extLst>
+                  <a:ext uri="{FF2B5EF4-FFF2-40B4-BE49-F238E27FC236}">
+                    <a16:creationId xmlns:a16="http://schemas.microsoft.com/office/drawing/2014/main" id="{93BDDC07-B45F-9C22-1E02-FC384ED8FCA7}"/>
+                  </a:ext>
+                </a:extLst>
+              </p:cNvPr>
+              <p:cNvSpPr txBox="1">
+                <a:spLocks noRot="1" noChangeAspect="1" noMove="1" noResize="1" noEditPoints="1" noAdjustHandles="1" noChangeArrowheads="1" noChangeShapeType="1" noTextEdit="1"/>
+              </p:cNvSpPr>
+              <p:nvPr/>
+            </p:nvSpPr>
+            <p:spPr>
+              <a:xfrm>
+                <a:off x="614038" y="474345"/>
+                <a:ext cx="10963923" cy="5909310"/>
+              </a:xfrm>
+              <a:prstGeom prst="rect">
+                <a:avLst/>
+              </a:prstGeom>
+              <a:blipFill>
+                <a:blip r:embed="rId4"/>
+                <a:stretch>
+                  <a:fillRect l="-501" t="-619" b="-722"/>
+                </a:stretch>
+              </a:blipFill>
+            </p:spPr>
+            <p:txBody>
+              <a:bodyPr/>
+              <a:lstStyle/>
+              <a:p>
+                <a:r>
+                  <a:rPr lang="fr-FR">
+                    <a:noFill/>
+                  </a:rPr>
+                  <a:t> </a:t>
+                </a:r>
+              </a:p>
+            </p:txBody>
+          </p:sp>
+        </mc:Fallback>
+      </mc:AlternateContent>
+    </p:spTree>
+    <p:extLst>
+      <p:ext uri="{BB962C8B-B14F-4D97-AF65-F5344CB8AC3E}">
+        <p14:creationId xmlns:p14="http://schemas.microsoft.com/office/powerpoint/2010/main" val="3207956966"/>
+      </p:ext>
+    </p:extLst>
+  </p:cSld>
+  <p:clrMapOvr>
+    <a:masterClrMapping/>
+  </p:clrMapOvr>
+</p:sld>
+</file>
+
+<file path=ppt/slides/slide8.xml><?xml version="1.0" encoding="utf-8"?>
+<p:sld xmlns:a="http://schemas.openxmlformats.org/drawingml/2006/main" xmlns:r="http://schemas.openxmlformats.org/officeDocument/2006/relationships" xmlns:p="http://schemas.openxmlformats.org/presentationml/2006/main">
+  <p:cSld>
+    <p:spTree>
+      <p:nvGrpSpPr>
+        <p:cNvPr id="1" name=""/>
+        <p:cNvGrpSpPr/>
+        <p:nvPr/>
+      </p:nvGrpSpPr>
+      <p:grpSpPr>
+        <a:xfrm>
+          <a:off x="0" y="0"/>
+          <a:ext cx="0" cy="0"/>
+          <a:chOff x="0" y="0"/>
+          <a:chExt cx="0" cy="0"/>
+        </a:xfrm>
+      </p:grpSpPr>
+      <p:sp>
+        <p:nvSpPr>
+          <p:cNvPr id="4" name="ZoneTexte 3">
+            <a:extLst>
+              <a:ext uri="{FF2B5EF4-FFF2-40B4-BE49-F238E27FC236}">
+                <a16:creationId xmlns:a16="http://schemas.microsoft.com/office/drawing/2014/main" id="{93BDDC07-B45F-9C22-1E02-FC384ED8FCA7}"/>
+              </a:ext>
+            </a:extLst>
+          </p:cNvPr>
+          <p:cNvSpPr txBox="1"/>
+          <p:nvPr/>
+        </p:nvSpPr>
+        <p:spPr>
+          <a:xfrm>
+            <a:off x="614038" y="474345"/>
+            <a:ext cx="10963923" cy="5909310"/>
+          </a:xfrm>
+          <a:prstGeom prst="rect">
+            <a:avLst/>
+          </a:prstGeom>
+          <a:noFill/>
+        </p:spPr>
+        <p:txBody>
+          <a:bodyPr wrap="square" rtlCol="0">
+            <a:spAutoFit/>
+          </a:bodyPr>
+          <a:lstStyle/>
+          <a:p>
+            <a:r>
+              <a:rPr lang="en-GB" dirty="0">
+                <a:solidFill>
+                  <a:srgbClr val="FF0000"/>
+                </a:solidFill>
+              </a:rPr>
+              <a:t>Literature survey on set-to-sequence problems in ML (40 pages) :</a:t>
+            </a:r>
+          </a:p>
+          <a:p>
+            <a:r>
+              <a:rPr lang="en-GB" dirty="0">
+                <a:solidFill>
+                  <a:srgbClr val="FF0000"/>
+                </a:solidFill>
+                <a:hlinkClick r:id="rId3"/>
+              </a:rPr>
+              <a:t>https://www.jair.org/index.php/jair/article/view/12839/26707</a:t>
+            </a:r>
+            <a:endParaRPr lang="en-GB" dirty="0">
+              <a:solidFill>
+                <a:srgbClr val="FF0000"/>
+              </a:solidFill>
+            </a:endParaRPr>
+          </a:p>
+          <a:p>
+            <a:endParaRPr lang="en-GB" dirty="0">
+              <a:solidFill>
+                <a:srgbClr val="FF0000"/>
+              </a:solidFill>
+            </a:endParaRPr>
+          </a:p>
+          <a:p>
+            <a:r>
+              <a:rPr lang="en-GB" dirty="0">
+                <a:solidFill>
+                  <a:srgbClr val="FF0000"/>
+                </a:solidFill>
+              </a:rPr>
+              <a:t>Design a solution using a permutation invariant input</a:t>
+            </a:r>
+          </a:p>
+          <a:p>
+            <a:endParaRPr lang="en-GB" dirty="0">
+              <a:solidFill>
+                <a:srgbClr val="FF0000"/>
+              </a:solidFill>
+            </a:endParaRPr>
+          </a:p>
+          <a:p>
+            <a:endParaRPr lang="en-GB" dirty="0">
+              <a:solidFill>
+                <a:srgbClr val="FF0000"/>
+              </a:solidFill>
+            </a:endParaRPr>
+          </a:p>
+          <a:p>
+            <a:r>
+              <a:rPr lang="en-GB" dirty="0">
+                <a:solidFill>
+                  <a:srgbClr val="FF0000"/>
+                </a:solidFill>
+              </a:rPr>
+              <a:t>Report: </a:t>
+            </a:r>
+          </a:p>
+          <a:p>
+            <a:r>
+              <a:rPr lang="en-GB" dirty="0">
+                <a:solidFill>
+                  <a:srgbClr val="FF0000"/>
+                </a:solidFill>
+              </a:rPr>
+              <a:t>- formal description of the current classifier approach</a:t>
+            </a:r>
+          </a:p>
+          <a:p>
+            <a:r>
+              <a:rPr lang="en-GB" dirty="0">
+                <a:solidFill>
+                  <a:srgbClr val="FF0000"/>
+                </a:solidFill>
+              </a:rPr>
+              <a:t>- summary of the points related to set-to-sequence in the survey</a:t>
+            </a:r>
+          </a:p>
+          <a:p>
+            <a:r>
+              <a:rPr lang="en-GB" dirty="0">
+                <a:solidFill>
+                  <a:srgbClr val="FF0000"/>
+                </a:solidFill>
+              </a:rPr>
+              <a:t>- description of the transformer approach</a:t>
+            </a:r>
+          </a:p>
+          <a:p>
+            <a:r>
+              <a:rPr lang="en-GB" dirty="0">
+                <a:solidFill>
+                  <a:srgbClr val="FF0000"/>
+                </a:solidFill>
+              </a:rPr>
+              <a:t>- description of the permutation invariant approach</a:t>
+            </a:r>
+          </a:p>
+          <a:p>
+            <a:endParaRPr lang="en-GB" dirty="0">
+              <a:solidFill>
+                <a:srgbClr val="FF0000"/>
+              </a:solidFill>
+            </a:endParaRPr>
+          </a:p>
+          <a:p>
+            <a:endParaRPr lang="en-GB" dirty="0">
+              <a:solidFill>
+                <a:srgbClr val="FF0000"/>
+              </a:solidFill>
+            </a:endParaRPr>
+          </a:p>
+          <a:p>
+            <a:endParaRPr lang="en-GB" dirty="0">
+              <a:solidFill>
+                <a:srgbClr val="FF0000"/>
+              </a:solidFill>
+            </a:endParaRPr>
+          </a:p>
+          <a:p>
+            <a:endParaRPr lang="en-GB" dirty="0">
+              <a:solidFill>
+                <a:srgbClr val="FF0000"/>
+              </a:solidFill>
+            </a:endParaRPr>
+          </a:p>
+          <a:p>
+            <a:endParaRPr lang="en-GB" dirty="0">
+              <a:solidFill>
+                <a:srgbClr val="FF0000"/>
+              </a:solidFill>
+            </a:endParaRPr>
+          </a:p>
+          <a:p>
+            <a:endParaRPr lang="en-GB" dirty="0">
+              <a:solidFill>
+                <a:srgbClr val="FF0000"/>
+              </a:solidFill>
+            </a:endParaRPr>
+          </a:p>
+          <a:p>
+            <a:endParaRPr lang="en-GB" dirty="0">
+              <a:solidFill>
+                <a:srgbClr val="FF0000"/>
+              </a:solidFill>
+            </a:endParaRPr>
+          </a:p>
+          <a:p>
+            <a:endParaRPr lang="en-GB" dirty="0"/>
+          </a:p>
+          <a:p>
+            <a:r>
+              <a:rPr lang="en-GB" dirty="0"/>
+              <a:t>Next steps : from BERT to JINA, batch sentences, database with pages, implement the full end-to-end transformer, implement permutation invariant method, chapter clustering, maybe intent detection (</a:t>
+            </a:r>
+            <a:r>
+              <a:rPr lang="en-GB" dirty="0">
+                <a:hlinkClick r:id="rId4"/>
+              </a:rPr>
+              <a:t>COPA</a:t>
+            </a:r>
+            <a:r>
+              <a:rPr lang="en-GB" dirty="0"/>
+              <a:t>)</a:t>
+            </a:r>
+          </a:p>
+        </p:txBody>
+      </p:sp>
+    </p:spTree>
+    <p:extLst>
+      <p:ext uri="{BB962C8B-B14F-4D97-AF65-F5344CB8AC3E}">
+        <p14:creationId xmlns:p14="http://schemas.microsoft.com/office/powerpoint/2010/main" val="4108166457"/>
+      </p:ext>
+    </p:extLst>
+  </p:cSld>
+  <p:clrMapOvr>
+    <a:masterClrMapping/>
+  </p:clrMapOvr>
+</p:sld>
+</file>
+
+<file path=ppt/slides/slide9.xml><?xml version="1.0" encoding="utf-8"?>
+<p:sld xmlns:a="http://schemas.openxmlformats.org/drawingml/2006/main" xmlns:r="http://schemas.openxmlformats.org/officeDocument/2006/relationships" xmlns:p="http://schemas.openxmlformats.org/presentationml/2006/main">
+  <p:cSld>
+    <p:spTree>
+      <p:nvGrpSpPr>
+        <p:cNvPr id="1" name=""/>
+        <p:cNvGrpSpPr/>
+        <p:nvPr/>
+      </p:nvGrpSpPr>
+      <p:grpSpPr>
+        <a:xfrm>
+          <a:off x="0" y="0"/>
+          <a:ext cx="0" cy="0"/>
+          <a:chOff x="0" y="0"/>
+          <a:chExt cx="0" cy="0"/>
+        </a:xfrm>
+      </p:grpSpPr>
       <mc:AlternateContent xmlns:mc="http://schemas.openxmlformats.org/markup-compatibility/2006">
         <mc:Choice xmlns:a14="http://schemas.microsoft.com/office/drawing/2010/main" Requires="a14">
           <p:sp>
@@ -7637,75 +8909,146 @@
               <a:lstStyle/>
               <a:p>
                 <a:r>
-                  <a:rPr lang="en-GB" dirty="0"/>
-                  <a:t>We don’t get different sizes of vectors for different books, just a different number of page (fixed code)</a:t>
+                  <a:rPr lang="en-GB" dirty="0">
+                    <a:solidFill>
+                      <a:schemeClr val="tx1"/>
+                    </a:solidFill>
+                  </a:rPr>
+                  <a:t>Batching sentences for classifier, performance for 25 books and 100% used :</a:t>
                 </a:r>
               </a:p>
               <a:p>
-                <a:endParaRPr lang="en-GB" dirty="0"/>
+                <a:pPr/>
+                <a14:m>
+                  <m:oMath xmlns:m="http://schemas.openxmlformats.org/officeDocument/2006/math">
+                    <m:r>
+                      <a:rPr lang="en-GB" b="0" i="1" smtClean="0">
+                        <a:solidFill>
+                          <a:schemeClr val="tx1"/>
+                        </a:solidFill>
+                        <a:latin typeface="Cambria Math" panose="02040503050406030204" pitchFamily="18" charset="0"/>
+                      </a:rPr>
+                      <m:t>77%</m:t>
+                    </m:r>
+                  </m:oMath>
+                </a14:m>
+                <a:r>
+                  <a:rPr lang="en-GB" dirty="0">
+                    <a:solidFill>
+                      <a:schemeClr val="tx1"/>
+                    </a:solidFill>
+                  </a:rPr>
+                  <a:t> accuracy and </a:t>
+                </a:r>
+                <a14:m>
+                  <m:oMath xmlns:m="http://schemas.openxmlformats.org/officeDocument/2006/math">
+                    <m:r>
+                      <a:rPr lang="en-GB" i="1">
+                        <a:latin typeface="Cambria Math" panose="02040503050406030204" pitchFamily="18" charset="0"/>
+                      </a:rPr>
+                      <m:t>77%</m:t>
+                    </m:r>
+                  </m:oMath>
+                </a14:m>
+                <a:r>
+                  <a:rPr lang="en-GB" dirty="0">
+                    <a:solidFill>
+                      <a:schemeClr val="tx1"/>
+                    </a:solidFill>
+                  </a:rPr>
+                  <a:t> </a:t>
+                </a:r>
+                <a14:m>
+                  <m:oMath xmlns:m="http://schemas.openxmlformats.org/officeDocument/2006/math">
+                    <m:r>
+                      <a:rPr lang="en-GB" b="0" i="1" smtClean="0">
+                        <a:solidFill>
+                          <a:schemeClr val="tx1"/>
+                        </a:solidFill>
+                        <a:latin typeface="Cambria Math" panose="02040503050406030204" pitchFamily="18" charset="0"/>
+                      </a:rPr>
+                      <m:t>𝐹</m:t>
+                    </m:r>
+                    <m:r>
+                      <a:rPr lang="en-GB" b="0" i="1" smtClean="0">
+                        <a:solidFill>
+                          <a:schemeClr val="tx1"/>
+                        </a:solidFill>
+                        <a:latin typeface="Cambria Math" panose="02040503050406030204" pitchFamily="18" charset="0"/>
+                      </a:rPr>
+                      <m:t>1</m:t>
+                    </m:r>
+                  </m:oMath>
+                </a14:m>
+                <a:r>
+                  <a:rPr lang="en-GB" dirty="0">
+                    <a:solidFill>
+                      <a:schemeClr val="tx1"/>
+                    </a:solidFill>
+                  </a:rPr>
+                  <a:t>-score for the test set</a:t>
+                </a:r>
               </a:p>
               <a:p>
-                <a:r>
-                  <a:rPr lang="en-GB" dirty="0"/>
-                  <a:t>Training on several books, test accuracy </a:t>
-                </a:r>
                 <a14:m>
                   <m:oMath xmlns:m="http://schemas.openxmlformats.org/officeDocument/2006/math">
                     <m:r>
                       <a:rPr lang="en-GB" b="0" i="1" smtClean="0">
                         <a:latin typeface="Cambria Math" panose="02040503050406030204" pitchFamily="18" charset="0"/>
                       </a:rPr>
-                      <m:t>=58%</m:t>
+                      <m:t>63</m:t>
+                    </m:r>
+                    <m:r>
+                      <a:rPr lang="en-GB" i="1">
+                        <a:latin typeface="Cambria Math" panose="02040503050406030204" pitchFamily="18" charset="0"/>
+                      </a:rPr>
+                      <m:t>%</m:t>
                     </m:r>
                   </m:oMath>
                 </a14:m>
                 <a:r>
                   <a:rPr lang="en-GB" dirty="0"/>
-                  <a:t>, accuracy on new book </a:t>
+                  <a:t> accuracy and </a:t>
                 </a:r>
                 <a14:m>
                   <m:oMath xmlns:m="http://schemas.openxmlformats.org/officeDocument/2006/math">
                     <m:r>
-                      <a:rPr lang="en-GB" b="0" i="1" smtClean="0">
+                      <a:rPr lang="en-GB" b="0" i="0" smtClean="0">
                         <a:latin typeface="Cambria Math" panose="02040503050406030204" pitchFamily="18" charset="0"/>
                       </a:rPr>
-                      <m:t>=57%</m:t>
+                      <m:t>65</m:t>
+                    </m:r>
+                    <m:r>
+                      <a:rPr lang="en-GB" i="1">
+                        <a:latin typeface="Cambria Math" panose="02040503050406030204" pitchFamily="18" charset="0"/>
+                      </a:rPr>
+                      <m:t>%</m:t>
                     </m:r>
                   </m:oMath>
                 </a14:m>
-                <a:endParaRPr lang="en-GB" dirty="0"/>
-              </a:p>
-              <a:p>
-                <a:endParaRPr lang="en-GB" dirty="0"/>
-              </a:p>
-              <a:p>
                 <a:r>
                   <a:rPr lang="en-GB" dirty="0"/>
-                  <a:t>Setup : </a:t>
-                </a:r>
-              </a:p>
-              <a:p>
+                  <a:t> </a:t>
+                </a:r>
+                <a14:m>
+                  <m:oMath xmlns:m="http://schemas.openxmlformats.org/officeDocument/2006/math">
+                    <m:r>
+                      <a:rPr lang="en-GB" i="1">
+                        <a:latin typeface="Cambria Math" panose="02040503050406030204" pitchFamily="18" charset="0"/>
+                      </a:rPr>
+                      <m:t>𝐹</m:t>
+                    </m:r>
+                    <m:r>
+                      <a:rPr lang="en-GB" i="1">
+                        <a:latin typeface="Cambria Math" panose="02040503050406030204" pitchFamily="18" charset="0"/>
+                      </a:rPr>
+                      <m:t>1</m:t>
+                    </m:r>
+                  </m:oMath>
+                </a14:m>
                 <a:r>
                   <a:rPr lang="en-GB" dirty="0"/>
-                  <a:t>- EPFL VPN</a:t>
-                </a:r>
-              </a:p>
-              <a:p>
-                <a:r>
-                  <a:rPr lang="en-GB" dirty="0"/>
-                  <a:t>- SSH to GPU server on VS Code</a:t>
-                </a:r>
-              </a:p>
-              <a:p>
-                <a:r>
-                  <a:rPr lang="en-GB" dirty="0"/>
-                  <a:t>- GitHub Repository</a:t>
-                </a:r>
-              </a:p>
-              <a:p>
-                <a:r>
-                  <a:rPr lang="en-GB" dirty="0"/>
-                  <a:t>- Running the code on the SSH</a:t>
+                  <a:t>-score for a new book</a:t>
                 </a:r>
               </a:p>
               <a:p>
@@ -7717,49 +9060,118 @@
               </a:p>
               <a:p>
                 <a:r>
+                  <a:rPr lang="en-GB" dirty="0"/>
+                  <a:t>Created a database from the current books with pagelike structure: The average length of a page in books is around 250 words which roughly corresponds to the limit of 256 tokens of the sentence-BERT we use</a:t>
+                </a:r>
+              </a:p>
+              <a:p>
+                <a:endParaRPr lang="en-GB" dirty="0">
+                  <a:solidFill>
+                    <a:srgbClr val="FF0000"/>
+                  </a:solidFill>
+                </a:endParaRPr>
+              </a:p>
+              <a:p>
+                <a:r>
+                  <a:rPr lang="en-GB" dirty="0"/>
+                  <a:t>BERT to JINA: No need for the 8000 token length of JINA because the 256 token limitation of sentence-BERT isn’t limiting us when processing 1 page, we switched sentence-BERT models from </a:t>
+                </a:r>
+                <a:r>
+                  <a:rPr lang="fr-FR" b="0" dirty="0">
+                    <a:solidFill>
+                      <a:srgbClr val="6A9955"/>
+                    </a:solidFill>
+                    <a:effectLst/>
+                    <a:latin typeface="Consolas" panose="020B0609020204030204" pitchFamily="49" charset="0"/>
+                  </a:rPr>
+                  <a:t>all-MiniLM-L6-v2</a:t>
+                </a:r>
+                <a:r>
+                  <a:rPr lang="fr-FR" b="0" dirty="0">
+                    <a:solidFill>
+                      <a:srgbClr val="D4D4D4"/>
+                    </a:solidFill>
+                    <a:effectLst/>
+                    <a:latin typeface="Consolas" panose="020B0609020204030204" pitchFamily="49" charset="0"/>
+                  </a:rPr>
+                  <a:t> </a:t>
+                </a:r>
+                <a:r>
+                  <a:rPr lang="en-GB" dirty="0"/>
+                  <a:t>to </a:t>
+                </a:r>
+                <a:r>
+                  <a:rPr lang="fr-FR" b="0" dirty="0">
+                    <a:solidFill>
+                      <a:srgbClr val="6A9955"/>
+                    </a:solidFill>
+                    <a:effectLst/>
+                    <a:latin typeface="Consolas" panose="020B0609020204030204" pitchFamily="49" charset="0"/>
+                  </a:rPr>
+                  <a:t>all-mpnet-base-v2</a:t>
+                </a:r>
+                <a:r>
+                  <a:rPr lang="en-GB" dirty="0"/>
+                  <a:t> that has max token size of 384 instead</a:t>
+                </a:r>
+              </a:p>
+              <a:p>
+                <a:endParaRPr lang="en-GB" dirty="0">
+                  <a:solidFill>
+                    <a:srgbClr val="FF0000"/>
+                  </a:solidFill>
+                </a:endParaRPr>
+              </a:p>
+              <a:p>
+                <a:r>
+                  <a:rPr lang="en-GB" dirty="0"/>
+                  <a:t>Learned a bit about transformers, tokens, veq2seq, seq2vec, seq2seq, the underlying architecture of transformers and their advantages compared </a:t>
+                </a:r>
+                <a:r>
+                  <a:rPr lang="en-GB"/>
+                  <a:t>to LSTM</a:t>
+                </a:r>
+                <a:endParaRPr lang="en-GB" dirty="0">
+                  <a:solidFill>
+                    <a:srgbClr val="FF0000"/>
+                  </a:solidFill>
+                </a:endParaRPr>
+              </a:p>
+              <a:p>
+                <a:endParaRPr lang="en-GB" dirty="0">
+                  <a:solidFill>
+                    <a:srgbClr val="FF0000"/>
+                  </a:solidFill>
+                </a:endParaRPr>
+              </a:p>
+              <a:p>
+                <a:r>
+                  <a:rPr lang="en-GB" dirty="0"/>
+                  <a:t>Design of the transformer end-to-end approach : The output we want is a permutation, so it is not differentiable, therefore we should use a Reinforcement Learning setup, for the input </a:t>
+                </a:r>
+                <a:r>
                   <a:rPr lang="en-GB" dirty="0">
                     <a:solidFill>
                       <a:srgbClr val="FF0000"/>
                     </a:solidFill>
                   </a:rPr>
-                  <a:t>Parallelized computing “accel” ? </a:t>
-                </a:r>
-                <a14:m>
-                  <m:oMath xmlns:m="http://schemas.openxmlformats.org/officeDocument/2006/math">
-                    <m:r>
-                      <a:rPr lang="en-GB" b="0" i="1" smtClean="0">
-                        <a:solidFill>
-                          <a:srgbClr val="FF0000"/>
-                        </a:solidFill>
-                        <a:latin typeface="Cambria Math" panose="02040503050406030204" pitchFamily="18" charset="0"/>
-                      </a:rPr>
-                      <m:t>→</m:t>
-                    </m:r>
-                  </m:oMath>
-                </a14:m>
+                  <a:t>we can embed the pages and concatenate the embedding or alternatively encode the order separately. </a:t>
+                </a:r>
+                <a:r>
+                  <a:rPr lang="en-GB" dirty="0"/>
+                  <a:t>To reduce the action space, we would need either a </a:t>
+                </a:r>
                 <a:r>
                   <a:rPr lang="en-GB" dirty="0">
                     <a:solidFill>
                       <a:srgbClr val="FF0000"/>
                     </a:solidFill>
                   </a:rPr>
-                  <a:t> </a:t>
-                </a:r>
-                <a:r>
-                  <a:rPr lang="en-GB" dirty="0" err="1">
-                    <a:solidFill>
-                      <a:srgbClr val="FF0000"/>
-                    </a:solidFill>
-                  </a:rPr>
-                  <a:t>PyTorch</a:t>
-                </a:r>
-                <a:r>
-                  <a:rPr lang="en-GB" dirty="0">
-                    <a:solidFill>
-                      <a:srgbClr val="FF0000"/>
-                    </a:solidFill>
-                  </a:rPr>
-                  <a:t> has it </a:t>
+                  <a:t>hierarchical approach or policy gradient methods </a:t>
+                </a:r>
+                <a:r>
+                  <a:rPr lang="en-GB" dirty="0"/>
+                  <a:t>(learn distribution over actions and not states)</a:t>
                 </a:r>
               </a:p>
               <a:p>
@@ -7768,125 +9180,27 @@
               <a:p>
                 <a:r>
                   <a:rPr lang="en-GB" dirty="0"/>
-                  <a:t>Report : </a:t>
-                </a:r>
-              </a:p>
-              <a:p>
-                <a:r>
-                  <a:rPr lang="en-GB" dirty="0"/>
-                  <a:t>- Motivating the subject, </a:t>
-                </a:r>
-              </a:p>
-              <a:p>
-                <a:r>
-                  <a:rPr lang="en-GB" dirty="0">
-                    <a:solidFill>
-                      <a:srgbClr val="FF0000"/>
-                    </a:solidFill>
-                  </a:rPr>
-                  <a:t>- Previous research on this topic, (</a:t>
-                </a:r>
-                <a:r>
-                  <a:rPr lang="en-GB" dirty="0">
-                    <a:solidFill>
-                      <a:srgbClr val="FF0000"/>
-                    </a:solidFill>
+                  <a:t>Next steps : implement the designed end-to-end transformer, implement permutation invariant method, maybe TSP genetic algorithm, TSP polynomial 1.5-approximation (</a:t>
+                </a:r>
+                <a:r>
+                  <a:rPr lang="en-GB" dirty="0" err="1">
                     <a:hlinkClick r:id="rId3"/>
                   </a:rPr>
-                  <a:t>https://www.jair.org/index.php/jair/article/view/12839/26707</a:t>
+                  <a:t>Karlin</a:t>
+                </a:r>
+                <a:r>
+                  <a:rPr lang="en-GB" dirty="0"/>
+                  <a:t>), chapter clustering and intent detection (</a:t>
                 </a:r>
                 <a:r>
                   <a:rPr lang="en-GB" dirty="0">
-                    <a:solidFill>
-                      <a:srgbClr val="FF0000"/>
-                    </a:solidFill>
+                    <a:hlinkClick r:id="rId4"/>
                   </a:rPr>
+                  <a:t>COPA</a:t>
+                </a:r>
+                <a:r>
+                  <a:rPr lang="en-GB" dirty="0"/>
                   <a:t>)</a:t>
-                </a:r>
-              </a:p>
-              <a:p>
-                <a:r>
-                  <a:rPr lang="en-GB" dirty="0"/>
-                  <a:t>- Formal description of the problem and metrics,</a:t>
-                </a:r>
-              </a:p>
-              <a:p>
-                <a:r>
-                  <a:rPr lang="en-GB" dirty="0"/>
-                  <a:t>- Why is this problem challenging and not yet solved, </a:t>
-                </a:r>
-              </a:p>
-              <a:p>
-                <a:r>
-                  <a:rPr lang="en-GB" dirty="0"/>
-                  <a:t>- Different paradigms and </a:t>
-                </a:r>
-                <a:r>
-                  <a:rPr lang="en-GB" dirty="0">
-                    <a:solidFill>
-                      <a:srgbClr val="FF0000"/>
-                    </a:solidFill>
-                  </a:rPr>
-                  <a:t>formal description of the current classifier approach</a:t>
-                </a:r>
-              </a:p>
-              <a:p>
-                <a:endParaRPr lang="en-GB" dirty="0"/>
-              </a:p>
-              <a:p>
-                <a:r>
-                  <a:rPr lang="en-GB" dirty="0"/>
-                  <a:t>Next steps : </a:t>
-                </a:r>
-                <a14:m>
-                  <m:oMath xmlns:m="http://schemas.openxmlformats.org/officeDocument/2006/math">
-                    <m:r>
-                      <a:rPr lang="en-GB" b="0" i="1" smtClean="0">
-                        <a:latin typeface="Cambria Math" panose="02040503050406030204" pitchFamily="18" charset="0"/>
-                      </a:rPr>
-                      <m:t>𝑂</m:t>
-                    </m:r>
-                    <m:d>
-                      <m:dPr>
-                        <m:ctrlPr>
-                          <a:rPr lang="en-GB" b="0" i="1" smtClean="0">
-                            <a:latin typeface="Cambria Math" panose="02040503050406030204" pitchFamily="18" charset="0"/>
-                          </a:rPr>
-                        </m:ctrlPr>
-                      </m:dPr>
-                      <m:e>
-                        <m:sSup>
-                          <m:sSupPr>
-                            <m:ctrlPr>
-                              <a:rPr lang="en-GB" b="0" i="1" smtClean="0">
-                                <a:latin typeface="Cambria Math" panose="02040503050406030204" pitchFamily="18" charset="0"/>
-                              </a:rPr>
-                            </m:ctrlPr>
-                          </m:sSupPr>
-                          <m:e>
-                            <m:r>
-                              <a:rPr lang="en-GB" b="0" i="1" smtClean="0">
-                                <a:latin typeface="Cambria Math" panose="02040503050406030204" pitchFamily="18" charset="0"/>
-                              </a:rPr>
-                              <m:t>𝑛</m:t>
-                            </m:r>
-                          </m:e>
-                          <m:sup>
-                            <m:r>
-                              <a:rPr lang="en-GB" b="0" i="1" smtClean="0">
-                                <a:latin typeface="Cambria Math" panose="02040503050406030204" pitchFamily="18" charset="0"/>
-                              </a:rPr>
-                              <m:t>2</m:t>
-                            </m:r>
-                          </m:sup>
-                        </m:sSup>
-                      </m:e>
-                    </m:d>
-                  </m:oMath>
-                </a14:m>
-                <a:r>
-                  <a:rPr lang="en-GB" dirty="0"/>
-                  <a:t> greedy for pairwise distances to order + distances, try to batch sentences for BERT, from BERT to JINA, database with pages, implement the full end-to-end transformer, chapter clustering, transformer classifier</a:t>
                 </a:r>
               </a:p>
             </p:txBody>
@@ -7916,9 +9230,9 @@
                 <a:avLst/>
               </a:prstGeom>
               <a:blipFill>
-                <a:blip r:embed="rId4"/>
+                <a:blip r:embed="rId5"/>
                 <a:stretch>
-                  <a:fillRect l="-501" t="-619" r="-111" b="-722"/>
+                  <a:fillRect l="-501" t="-619" r="-779" b="-722"/>
                 </a:stretch>
               </a:blipFill>
             </p:spPr>
@@ -7940,7 +9254,7 @@
     </p:spTree>
     <p:extLst>
       <p:ext uri="{BB962C8B-B14F-4D97-AF65-F5344CB8AC3E}">
-        <p14:creationId xmlns:p14="http://schemas.microsoft.com/office/powerpoint/2010/main" val="3207956966"/>
+        <p14:creationId xmlns:p14="http://schemas.microsoft.com/office/powerpoint/2010/main" val="3387967167"/>
       </p:ext>
     </p:extLst>
   </p:cSld>

--- a/Weekly/Weekly Summary.pptx
+++ b/Weekly/Weekly Summary.pptx
@@ -207,7 +207,7 @@
           <a:p>
             <a:fld id="{97AA29BE-90D3-453E-BCA3-9C9A36AE1283}" type="datetimeFigureOut">
               <a:rPr lang="fr-FR" smtClean="0"/>
-              <a:t>01/12/2023</a:t>
+              <a:t>02/12/2023</a:t>
             </a:fld>
             <a:endParaRPr lang="fr-FR"/>
           </a:p>
@@ -1209,7 +1209,7 @@
           <a:p>
             <a:fld id="{50E6F2E4-EC72-4332-BBE8-543D85D64276}" type="datetimeFigureOut">
               <a:rPr lang="fr-FR" smtClean="0"/>
-              <a:t>01/12/2023</a:t>
+              <a:t>02/12/2023</a:t>
             </a:fld>
             <a:endParaRPr lang="fr-FR"/>
           </a:p>
@@ -1407,7 +1407,7 @@
           <a:p>
             <a:fld id="{50E6F2E4-EC72-4332-BBE8-543D85D64276}" type="datetimeFigureOut">
               <a:rPr lang="fr-FR" smtClean="0"/>
-              <a:t>01/12/2023</a:t>
+              <a:t>02/12/2023</a:t>
             </a:fld>
             <a:endParaRPr lang="fr-FR"/>
           </a:p>
@@ -1615,7 +1615,7 @@
           <a:p>
             <a:fld id="{50E6F2E4-EC72-4332-BBE8-543D85D64276}" type="datetimeFigureOut">
               <a:rPr lang="fr-FR" smtClean="0"/>
-              <a:t>01/12/2023</a:t>
+              <a:t>02/12/2023</a:t>
             </a:fld>
             <a:endParaRPr lang="fr-FR"/>
           </a:p>
@@ -1813,7 +1813,7 @@
           <a:p>
             <a:fld id="{50E6F2E4-EC72-4332-BBE8-543D85D64276}" type="datetimeFigureOut">
               <a:rPr lang="fr-FR" smtClean="0"/>
-              <a:t>01/12/2023</a:t>
+              <a:t>02/12/2023</a:t>
             </a:fld>
             <a:endParaRPr lang="fr-FR"/>
           </a:p>
@@ -2088,7 +2088,7 @@
           <a:p>
             <a:fld id="{50E6F2E4-EC72-4332-BBE8-543D85D64276}" type="datetimeFigureOut">
               <a:rPr lang="fr-FR" smtClean="0"/>
-              <a:t>01/12/2023</a:t>
+              <a:t>02/12/2023</a:t>
             </a:fld>
             <a:endParaRPr lang="fr-FR"/>
           </a:p>
@@ -2353,7 +2353,7 @@
           <a:p>
             <a:fld id="{50E6F2E4-EC72-4332-BBE8-543D85D64276}" type="datetimeFigureOut">
               <a:rPr lang="fr-FR" smtClean="0"/>
-              <a:t>01/12/2023</a:t>
+              <a:t>02/12/2023</a:t>
             </a:fld>
             <a:endParaRPr lang="fr-FR"/>
           </a:p>
@@ -2765,7 +2765,7 @@
           <a:p>
             <a:fld id="{50E6F2E4-EC72-4332-BBE8-543D85D64276}" type="datetimeFigureOut">
               <a:rPr lang="fr-FR" smtClean="0"/>
-              <a:t>01/12/2023</a:t>
+              <a:t>02/12/2023</a:t>
             </a:fld>
             <a:endParaRPr lang="fr-FR"/>
           </a:p>
@@ -2906,7 +2906,7 @@
           <a:p>
             <a:fld id="{50E6F2E4-EC72-4332-BBE8-543D85D64276}" type="datetimeFigureOut">
               <a:rPr lang="fr-FR" smtClean="0"/>
-              <a:t>01/12/2023</a:t>
+              <a:t>02/12/2023</a:t>
             </a:fld>
             <a:endParaRPr lang="fr-FR"/>
           </a:p>
@@ -3019,7 +3019,7 @@
           <a:p>
             <a:fld id="{50E6F2E4-EC72-4332-BBE8-543D85D64276}" type="datetimeFigureOut">
               <a:rPr lang="fr-FR" smtClean="0"/>
-              <a:t>01/12/2023</a:t>
+              <a:t>02/12/2023</a:t>
             </a:fld>
             <a:endParaRPr lang="fr-FR"/>
           </a:p>
@@ -3330,7 +3330,7 @@
           <a:p>
             <a:fld id="{50E6F2E4-EC72-4332-BBE8-543D85D64276}" type="datetimeFigureOut">
               <a:rPr lang="fr-FR" smtClean="0"/>
-              <a:t>01/12/2023</a:t>
+              <a:t>02/12/2023</a:t>
             </a:fld>
             <a:endParaRPr lang="fr-FR"/>
           </a:p>
@@ -3618,7 +3618,7 @@
           <a:p>
             <a:fld id="{50E6F2E4-EC72-4332-BBE8-543D85D64276}" type="datetimeFigureOut">
               <a:rPr lang="fr-FR" smtClean="0"/>
-              <a:t>01/12/2023</a:t>
+              <a:t>02/12/2023</a:t>
             </a:fld>
             <a:endParaRPr lang="fr-FR"/>
           </a:p>
@@ -3859,7 +3859,7 @@
           <a:p>
             <a:fld id="{50E6F2E4-EC72-4332-BBE8-543D85D64276}" type="datetimeFigureOut">
               <a:rPr lang="fr-FR" smtClean="0"/>
-              <a:t>01/12/2023</a:t>
+              <a:t>02/12/2023</a:t>
             </a:fld>
             <a:endParaRPr lang="fr-FR"/>
           </a:p>
@@ -4393,191 +4393,540 @@
           <a:chExt cx="0" cy="0"/>
         </a:xfrm>
       </p:grpSpPr>
-      <p:sp>
-        <p:nvSpPr>
-          <p:cNvPr id="4" name="ZoneTexte 3">
-            <a:extLst>
-              <a:ext uri="{FF2B5EF4-FFF2-40B4-BE49-F238E27FC236}">
-                <a16:creationId xmlns:a16="http://schemas.microsoft.com/office/drawing/2014/main" id="{93BDDC07-B45F-9C22-1E02-FC384ED8FCA7}"/>
-              </a:ext>
-            </a:extLst>
-          </p:cNvPr>
-          <p:cNvSpPr txBox="1"/>
-          <p:nvPr/>
-        </p:nvSpPr>
-        <p:spPr>
-          <a:xfrm>
-            <a:off x="614038" y="474345"/>
-            <a:ext cx="10963923" cy="5909310"/>
-          </a:xfrm>
-          <a:prstGeom prst="rect">
-            <a:avLst/>
-          </a:prstGeom>
-          <a:noFill/>
-        </p:spPr>
-        <p:txBody>
-          <a:bodyPr wrap="square" rtlCol="0">
-            <a:spAutoFit/>
-          </a:bodyPr>
-          <a:lstStyle/>
-          <a:p>
-            <a:r>
-              <a:rPr lang="en-GB" dirty="0">
-                <a:solidFill>
-                  <a:srgbClr val="FF0000"/>
-                </a:solidFill>
-              </a:rPr>
-              <a:t>Finished implementation of full end-to-end transformer</a:t>
-            </a:r>
-          </a:p>
-          <a:p>
-            <a:endParaRPr lang="en-GB" dirty="0">
-              <a:solidFill>
-                <a:srgbClr val="FF0000"/>
-              </a:solidFill>
-            </a:endParaRPr>
-          </a:p>
-          <a:p>
-            <a:r>
-              <a:rPr lang="en-GB" dirty="0">
-                <a:solidFill>
-                  <a:srgbClr val="FF0000"/>
-                </a:solidFill>
-              </a:rPr>
-              <a:t>Test results:</a:t>
-            </a:r>
-          </a:p>
-          <a:p>
-            <a:endParaRPr lang="en-GB" dirty="0">
-              <a:solidFill>
-                <a:srgbClr val="FF0000"/>
-              </a:solidFill>
-            </a:endParaRPr>
-          </a:p>
-          <a:p>
-            <a:r>
-              <a:rPr lang="en-GB" dirty="0">
-                <a:solidFill>
-                  <a:srgbClr val="FF0000"/>
-                </a:solidFill>
-              </a:rPr>
-              <a:t>Started implementing the permutation invariant method</a:t>
-            </a:r>
-          </a:p>
-          <a:p>
-            <a:endParaRPr lang="en-GB" dirty="0">
-              <a:solidFill>
-                <a:srgbClr val="FF0000"/>
-              </a:solidFill>
-            </a:endParaRPr>
-          </a:p>
-          <a:p>
-            <a:endParaRPr lang="en-GB" dirty="0">
-              <a:solidFill>
-                <a:srgbClr val="FF0000"/>
-              </a:solidFill>
-            </a:endParaRPr>
-          </a:p>
-          <a:p>
-            <a:endParaRPr lang="en-GB" dirty="0">
-              <a:solidFill>
-                <a:srgbClr val="FF0000"/>
-              </a:solidFill>
-            </a:endParaRPr>
-          </a:p>
-          <a:p>
-            <a:endParaRPr lang="en-GB" dirty="0">
-              <a:solidFill>
-                <a:srgbClr val="FF0000"/>
-              </a:solidFill>
-            </a:endParaRPr>
-          </a:p>
-          <a:p>
-            <a:endParaRPr lang="en-GB" dirty="0">
-              <a:solidFill>
-                <a:srgbClr val="FF0000"/>
-              </a:solidFill>
-            </a:endParaRPr>
-          </a:p>
-          <a:p>
-            <a:endParaRPr lang="en-GB" dirty="0">
-              <a:solidFill>
-                <a:srgbClr val="FF0000"/>
-              </a:solidFill>
-            </a:endParaRPr>
-          </a:p>
-          <a:p>
-            <a:endParaRPr lang="en-GB" dirty="0">
-              <a:solidFill>
-                <a:srgbClr val="FF0000"/>
-              </a:solidFill>
-            </a:endParaRPr>
-          </a:p>
-          <a:p>
-            <a:endParaRPr lang="en-GB" dirty="0">
-              <a:solidFill>
-                <a:srgbClr val="FF0000"/>
-              </a:solidFill>
-            </a:endParaRPr>
-          </a:p>
-          <a:p>
-            <a:endParaRPr lang="en-GB" dirty="0">
-              <a:solidFill>
-                <a:srgbClr val="FF0000"/>
-              </a:solidFill>
-            </a:endParaRPr>
-          </a:p>
-          <a:p>
-            <a:endParaRPr lang="en-GB" dirty="0">
-              <a:solidFill>
-                <a:srgbClr val="FF0000"/>
-              </a:solidFill>
-            </a:endParaRPr>
-          </a:p>
-          <a:p>
-            <a:endParaRPr lang="en-GB" dirty="0">
-              <a:solidFill>
-                <a:srgbClr val="FF0000"/>
-              </a:solidFill>
-            </a:endParaRPr>
-          </a:p>
-          <a:p>
-            <a:endParaRPr lang="en-GB" dirty="0"/>
-          </a:p>
-          <a:p>
-            <a:endParaRPr lang="en-GB" dirty="0"/>
-          </a:p>
-          <a:p>
-            <a:endParaRPr lang="en-GB" dirty="0"/>
-          </a:p>
-          <a:p>
-            <a:r>
-              <a:rPr lang="en-GB" dirty="0"/>
-              <a:t>Next steps : finish to implement permutation invariant method, maybe TSP genetic algorithm, TSP polynomial 1.5-approximation (</a:t>
-            </a:r>
-            <a:r>
-              <a:rPr lang="en-GB" dirty="0" err="1">
-                <a:hlinkClick r:id="rId3"/>
-              </a:rPr>
-              <a:t>Karlin</a:t>
-            </a:r>
-            <a:r>
-              <a:rPr lang="en-GB" dirty="0"/>
-              <a:t>), chapter clustering and intent detection (</a:t>
-            </a:r>
-            <a:r>
-              <a:rPr lang="en-GB" dirty="0">
-                <a:hlinkClick r:id="rId4"/>
-              </a:rPr>
-              <a:t>COPA</a:t>
-            </a:r>
-            <a:r>
-              <a:rPr lang="en-GB" dirty="0"/>
-              <a:t>)</a:t>
-            </a:r>
-          </a:p>
-        </p:txBody>
-      </p:sp>
+      <mc:AlternateContent xmlns:mc="http://schemas.openxmlformats.org/markup-compatibility/2006">
+        <mc:Choice xmlns:a14="http://schemas.microsoft.com/office/drawing/2010/main" Requires="a14">
+          <p:sp>
+            <p:nvSpPr>
+              <p:cNvPr id="4" name="ZoneTexte 3">
+                <a:extLst>
+                  <a:ext uri="{FF2B5EF4-FFF2-40B4-BE49-F238E27FC236}">
+                    <a16:creationId xmlns:a16="http://schemas.microsoft.com/office/drawing/2014/main" id="{93BDDC07-B45F-9C22-1E02-FC384ED8FCA7}"/>
+                  </a:ext>
+                </a:extLst>
+              </p:cNvPr>
+              <p:cNvSpPr txBox="1"/>
+              <p:nvPr/>
+            </p:nvSpPr>
+            <p:spPr>
+              <a:xfrm>
+                <a:off x="614038" y="474345"/>
+                <a:ext cx="10963923" cy="5997091"/>
+              </a:xfrm>
+              <a:prstGeom prst="rect">
+                <a:avLst/>
+              </a:prstGeom>
+              <a:noFill/>
+            </p:spPr>
+            <p:txBody>
+              <a:bodyPr wrap="square" rtlCol="0">
+                <a:spAutoFit/>
+              </a:bodyPr>
+              <a:lstStyle/>
+              <a:p>
+                <a:r>
+                  <a:rPr lang="en-GB" dirty="0"/>
+                  <a:t>TSP: Adding the transitivity hypothesis (page1 before page2 and page 2 before page 3 implies page1 before page3)</a:t>
+                </a:r>
+              </a:p>
+              <a:p>
+                <a:r>
+                  <a:rPr lang="en-GB" dirty="0"/>
+                  <a:t>- Enforce it to make the results more consistent (min weighted transitive closure with Floyd-</a:t>
+                </a:r>
+                <a:r>
+                  <a:rPr lang="en-GB" dirty="0" err="1"/>
+                  <a:t>Warshall</a:t>
+                </a:r>
+                <a:r>
+                  <a:rPr lang="en-GB" dirty="0"/>
+                  <a:t>)</a:t>
+                </a:r>
+                <a14:m>
+                  <m:oMath xmlns:m="http://schemas.openxmlformats.org/officeDocument/2006/math">
+                    <m:r>
+                      <a:rPr lang="en-GB" b="0" i="0" smtClean="0">
+                        <a:latin typeface="Cambria Math" panose="02040503050406030204" pitchFamily="18" charset="0"/>
+                      </a:rPr>
+                      <m:t>  </m:t>
+                    </m:r>
+                  </m:oMath>
+                </a14:m>
+                <a:endParaRPr lang="en-GB" b="0" i="0" dirty="0">
+                  <a:latin typeface="Cambria Math" panose="02040503050406030204" pitchFamily="18" charset="0"/>
+                </a:endParaRPr>
+              </a:p>
+              <a:p>
+                <a:pPr/>
+                <a14:m>
+                  <m:oMathPara xmlns:m="http://schemas.openxmlformats.org/officeDocument/2006/math">
+                    <m:oMathParaPr>
+                      <m:jc m:val="centerGroup"/>
+                    </m:oMathParaPr>
+                    <m:oMath xmlns:m="http://schemas.openxmlformats.org/officeDocument/2006/math">
+                      <m:sSub>
+                        <m:sSubPr>
+                          <m:ctrlPr>
+                            <a:rPr lang="en-GB" b="0" i="1" smtClean="0">
+                              <a:latin typeface="Cambria Math" panose="02040503050406030204" pitchFamily="18" charset="0"/>
+                            </a:rPr>
+                          </m:ctrlPr>
+                        </m:sSubPr>
+                        <m:e>
+                          <m:r>
+                            <a:rPr lang="en-GB" b="0" i="1" smtClean="0">
+                              <a:latin typeface="Cambria Math" panose="02040503050406030204" pitchFamily="18" charset="0"/>
+                            </a:rPr>
+                            <m:t>𝑤</m:t>
+                          </m:r>
+                        </m:e>
+                        <m:sub>
+                          <m:r>
+                            <a:rPr lang="en-GB" b="0" i="1" smtClean="0">
+                              <a:latin typeface="Cambria Math" panose="02040503050406030204" pitchFamily="18" charset="0"/>
+                            </a:rPr>
+                            <m:t>𝑖</m:t>
+                          </m:r>
+                          <m:r>
+                            <a:rPr lang="en-GB" b="0" i="1" smtClean="0">
+                              <a:latin typeface="Cambria Math" panose="02040503050406030204" pitchFamily="18" charset="0"/>
+                            </a:rPr>
+                            <m:t>,</m:t>
+                          </m:r>
+                          <m:r>
+                            <a:rPr lang="en-GB" b="0" i="1" smtClean="0">
+                              <a:latin typeface="Cambria Math" panose="02040503050406030204" pitchFamily="18" charset="0"/>
+                            </a:rPr>
+                            <m:t>𝑗</m:t>
+                          </m:r>
+                        </m:sub>
+                      </m:sSub>
+                      <m:r>
+                        <a:rPr lang="en-GB" b="0" i="1" smtClean="0">
+                          <a:latin typeface="Cambria Math" panose="02040503050406030204" pitchFamily="18" charset="0"/>
+                        </a:rPr>
+                        <m:t>=</m:t>
+                      </m:r>
+                      <m:f>
+                        <m:fPr>
+                          <m:ctrlPr>
+                            <a:rPr lang="en-GB" b="0" i="1" smtClean="0">
+                              <a:latin typeface="Cambria Math" panose="02040503050406030204" pitchFamily="18" charset="0"/>
+                            </a:rPr>
+                          </m:ctrlPr>
+                        </m:fPr>
+                        <m:num>
+                          <m:r>
+                            <a:rPr lang="en-GB" b="0" i="1" smtClean="0">
+                              <a:latin typeface="Cambria Math" panose="02040503050406030204" pitchFamily="18" charset="0"/>
+                            </a:rPr>
+                            <m:t>1</m:t>
+                          </m:r>
+                        </m:num>
+                        <m:den>
+                          <m:d>
+                            <m:dPr>
+                              <m:begChr m:val="|"/>
+                              <m:endChr m:val="|"/>
+                              <m:ctrlPr>
+                                <a:rPr lang="en-GB" i="1">
+                                  <a:latin typeface="Cambria Math" panose="02040503050406030204" pitchFamily="18" charset="0"/>
+                                </a:rPr>
+                              </m:ctrlPr>
+                            </m:dPr>
+                            <m:e>
+                              <m:r>
+                                <m:rPr>
+                                  <m:sty m:val="p"/>
+                                </m:rPr>
+                                <a:rPr lang="en-GB">
+                                  <a:latin typeface="Cambria Math" panose="02040503050406030204" pitchFamily="18" charset="0"/>
+                                </a:rPr>
+                                <m:t>logit</m:t>
+                              </m:r>
+                              <m:d>
+                                <m:dPr>
+                                  <m:ctrlPr>
+                                    <a:rPr lang="en-GB" i="1">
+                                      <a:latin typeface="Cambria Math" panose="02040503050406030204" pitchFamily="18" charset="0"/>
+                                    </a:rPr>
+                                  </m:ctrlPr>
+                                </m:dPr>
+                                <m:e>
+                                  <m:sSub>
+                                    <m:sSubPr>
+                                      <m:ctrlPr>
+                                        <a:rPr lang="en-GB" i="1">
+                                          <a:latin typeface="Cambria Math" panose="02040503050406030204" pitchFamily="18" charset="0"/>
+                                        </a:rPr>
+                                      </m:ctrlPr>
+                                    </m:sSubPr>
+                                    <m:e>
+                                      <m:r>
+                                        <a:rPr lang="en-GB" i="1">
+                                          <a:latin typeface="Cambria Math" panose="02040503050406030204" pitchFamily="18" charset="0"/>
+                                        </a:rPr>
+                                        <m:t>𝑝</m:t>
+                                      </m:r>
+                                    </m:e>
+                                    <m:sub>
+                                      <m:r>
+                                        <a:rPr lang="en-GB" i="1">
+                                          <a:latin typeface="Cambria Math" panose="02040503050406030204" pitchFamily="18" charset="0"/>
+                                        </a:rPr>
+                                        <m:t>𝑖</m:t>
+                                      </m:r>
+                                      <m:r>
+                                        <a:rPr lang="en-GB" i="1">
+                                          <a:latin typeface="Cambria Math" panose="02040503050406030204" pitchFamily="18" charset="0"/>
+                                        </a:rPr>
+                                        <m:t>,</m:t>
+                                      </m:r>
+                                      <m:r>
+                                        <a:rPr lang="en-GB" i="1">
+                                          <a:latin typeface="Cambria Math" panose="02040503050406030204" pitchFamily="18" charset="0"/>
+                                        </a:rPr>
+                                        <m:t>𝑗</m:t>
+                                      </m:r>
+                                    </m:sub>
+                                  </m:sSub>
+                                </m:e>
+                              </m:d>
+                            </m:e>
+                          </m:d>
+                        </m:den>
+                      </m:f>
+                    </m:oMath>
+                  </m:oMathPara>
+                </a14:m>
+                <a:endParaRPr lang="en-GB" dirty="0"/>
+              </a:p>
+              <a:p>
+                <a:r>
+                  <a:rPr lang="en-GB" dirty="0"/>
+                  <a:t>- Use it to get the permutation with topological sort</a:t>
+                </a:r>
+              </a:p>
+              <a:p>
+                <a14:m>
+                  <m:oMathPara xmlns:m="http://schemas.openxmlformats.org/officeDocument/2006/math">
+                    <m:oMathParaPr>
+                      <m:jc m:val="centerGroup"/>
+                    </m:oMathParaPr>
+                    <m:oMath xmlns:m="http://schemas.openxmlformats.org/officeDocument/2006/math">
+                      <m:sSub>
+                        <m:sSubPr>
+                          <m:ctrlPr>
+                            <a:rPr lang="en-GB" b="0" i="1" smtClean="0">
+                              <a:latin typeface="Cambria Math" panose="02040503050406030204" pitchFamily="18" charset="0"/>
+                              <a:ea typeface="Cambria Math" panose="02040503050406030204" pitchFamily="18" charset="0"/>
+                            </a:rPr>
+                          </m:ctrlPr>
+                        </m:sSubPr>
+                        <m:e>
+                          <m:r>
+                            <a:rPr lang="en-GB" i="1" smtClean="0">
+                              <a:latin typeface="Cambria Math" panose="02040503050406030204" pitchFamily="18" charset="0"/>
+                              <a:ea typeface="Cambria Math" panose="02040503050406030204" pitchFamily="18" charset="0"/>
+                            </a:rPr>
+                            <m:t>𝛿</m:t>
+                          </m:r>
+                        </m:e>
+                        <m:sub>
+                          <m:r>
+                            <a:rPr lang="en-GB" b="0" i="1" smtClean="0">
+                              <a:latin typeface="Cambria Math" panose="02040503050406030204" pitchFamily="18" charset="0"/>
+                              <a:ea typeface="Cambria Math" panose="02040503050406030204" pitchFamily="18" charset="0"/>
+                            </a:rPr>
+                            <m:t>𝑠𝑤𝑎𝑝</m:t>
+                          </m:r>
+                        </m:sub>
+                      </m:sSub>
+                      <m:r>
+                        <a:rPr lang="en-GB" b="0" i="1" smtClean="0">
+                          <a:latin typeface="Cambria Math" panose="02040503050406030204" pitchFamily="18" charset="0"/>
+                          <a:ea typeface="Cambria Math" panose="02040503050406030204" pitchFamily="18" charset="0"/>
+                        </a:rPr>
+                        <m:t>=0.125,  </m:t>
+                      </m:r>
+                      <m:sSub>
+                        <m:sSubPr>
+                          <m:ctrlPr>
+                            <a:rPr lang="en-GB" b="0" i="1" smtClean="0">
+                              <a:latin typeface="Cambria Math" panose="02040503050406030204" pitchFamily="18" charset="0"/>
+                              <a:ea typeface="Cambria Math" panose="02040503050406030204" pitchFamily="18" charset="0"/>
+                            </a:rPr>
+                          </m:ctrlPr>
+                        </m:sSubPr>
+                        <m:e>
+                          <m:r>
+                            <a:rPr lang="en-GB" b="0" i="1" smtClean="0">
+                              <a:latin typeface="Cambria Math" panose="02040503050406030204" pitchFamily="18" charset="0"/>
+                              <a:ea typeface="Cambria Math" panose="02040503050406030204" pitchFamily="18" charset="0"/>
+                            </a:rPr>
+                            <m:t>𝛿</m:t>
+                          </m:r>
+                        </m:e>
+                        <m:sub>
+                          <m:r>
+                            <a:rPr lang="en-GB" b="0" i="1" smtClean="0">
+                              <a:latin typeface="Cambria Math" panose="02040503050406030204" pitchFamily="18" charset="0"/>
+                              <a:ea typeface="Cambria Math" panose="02040503050406030204" pitchFamily="18" charset="0"/>
+                            </a:rPr>
+                            <m:t>𝑅</m:t>
+                          </m:r>
+                        </m:sub>
+                      </m:sSub>
+                      <m:r>
+                        <a:rPr lang="en-GB" b="0" i="1" smtClean="0">
+                          <a:latin typeface="Cambria Math" panose="02040503050406030204" pitchFamily="18" charset="0"/>
+                          <a:ea typeface="Cambria Math" panose="02040503050406030204" pitchFamily="18" charset="0"/>
+                        </a:rPr>
+                        <m:t>=0.897</m:t>
+                      </m:r>
+                    </m:oMath>
+                  </m:oMathPara>
+                </a14:m>
+                <a:endParaRPr lang="en-GB" dirty="0"/>
+              </a:p>
+              <a:p>
+                <a:r>
+                  <a:rPr lang="en-GB" dirty="0"/>
+                  <a:t>For comparison for a random permutation of length 156,</a:t>
+                </a:r>
+              </a:p>
+              <a:p>
+                <a14:m>
+                  <m:oMathPara xmlns:m="http://schemas.openxmlformats.org/officeDocument/2006/math">
+                    <m:oMathParaPr>
+                      <m:jc m:val="centerGroup"/>
+                    </m:oMathParaPr>
+                    <m:oMath xmlns:m="http://schemas.openxmlformats.org/officeDocument/2006/math">
+                      <m:sSub>
+                        <m:sSubPr>
+                          <m:ctrlPr>
+                            <a:rPr lang="en-GB" b="0" i="1" smtClean="0">
+                              <a:latin typeface="Cambria Math" panose="02040503050406030204" pitchFamily="18" charset="0"/>
+                              <a:ea typeface="Cambria Math" panose="02040503050406030204" pitchFamily="18" charset="0"/>
+                            </a:rPr>
+                          </m:ctrlPr>
+                        </m:sSubPr>
+                        <m:e>
+                          <m:r>
+                            <a:rPr lang="en-GB" i="1" smtClean="0">
+                              <a:latin typeface="Cambria Math" panose="02040503050406030204" pitchFamily="18" charset="0"/>
+                              <a:ea typeface="Cambria Math" panose="02040503050406030204" pitchFamily="18" charset="0"/>
+                            </a:rPr>
+                            <m:t>𝛿</m:t>
+                          </m:r>
+                        </m:e>
+                        <m:sub>
+                          <m:r>
+                            <a:rPr lang="en-GB" b="0" i="1" smtClean="0">
+                              <a:latin typeface="Cambria Math" panose="02040503050406030204" pitchFamily="18" charset="0"/>
+                              <a:ea typeface="Cambria Math" panose="02040503050406030204" pitchFamily="18" charset="0"/>
+                            </a:rPr>
+                            <m:t>𝑠𝑤𝑎𝑝</m:t>
+                          </m:r>
+                        </m:sub>
+                      </m:sSub>
+                      <m:r>
+                        <a:rPr lang="en-GB" b="0" i="1" smtClean="0">
+                          <a:latin typeface="Cambria Math" panose="02040503050406030204" pitchFamily="18" charset="0"/>
+                          <a:ea typeface="Cambria Math" panose="02040503050406030204" pitchFamily="18" charset="0"/>
+                        </a:rPr>
+                        <m:t>=0.5,  </m:t>
+                      </m:r>
+                      <m:sSub>
+                        <m:sSubPr>
+                          <m:ctrlPr>
+                            <a:rPr lang="en-GB" b="0" i="1" smtClean="0">
+                              <a:latin typeface="Cambria Math" panose="02040503050406030204" pitchFamily="18" charset="0"/>
+                              <a:ea typeface="Cambria Math" panose="02040503050406030204" pitchFamily="18" charset="0"/>
+                            </a:rPr>
+                          </m:ctrlPr>
+                        </m:sSubPr>
+                        <m:e>
+                          <m:r>
+                            <a:rPr lang="en-GB" b="0" i="1" smtClean="0">
+                              <a:latin typeface="Cambria Math" panose="02040503050406030204" pitchFamily="18" charset="0"/>
+                              <a:ea typeface="Cambria Math" panose="02040503050406030204" pitchFamily="18" charset="0"/>
+                            </a:rPr>
+                            <m:t>𝛿</m:t>
+                          </m:r>
+                        </m:e>
+                        <m:sub>
+                          <m:r>
+                            <a:rPr lang="en-GB" b="0" i="1" smtClean="0">
+                              <a:latin typeface="Cambria Math" panose="02040503050406030204" pitchFamily="18" charset="0"/>
+                              <a:ea typeface="Cambria Math" panose="02040503050406030204" pitchFamily="18" charset="0"/>
+                            </a:rPr>
+                            <m:t>𝑅</m:t>
+                          </m:r>
+                        </m:sub>
+                      </m:sSub>
+                      <m:r>
+                        <a:rPr lang="en-GB" b="0" i="1" smtClean="0">
+                          <a:latin typeface="Cambria Math" panose="02040503050406030204" pitchFamily="18" charset="0"/>
+                          <a:ea typeface="Cambria Math" panose="02040503050406030204" pitchFamily="18" charset="0"/>
+                        </a:rPr>
+                        <m:t>=0.994</m:t>
+                      </m:r>
+                    </m:oMath>
+                  </m:oMathPara>
+                </a14:m>
+                <a:endParaRPr lang="en-GB" dirty="0"/>
+              </a:p>
+              <a:p>
+                <a:endParaRPr lang="en-GB" dirty="0"/>
+              </a:p>
+              <a:p>
+                <a:r>
+                  <a:rPr lang="en-GB" dirty="0"/>
+                  <a:t>Design of the transformer end-to-end approach : The output we want is a permutation, so it is not differentiable, therefore we should use a Reinforcement Learning setup, for the input </a:t>
+                </a:r>
+                <a:r>
+                  <a:rPr lang="en-GB" dirty="0">
+                    <a:solidFill>
+                      <a:srgbClr val="FF0000"/>
+                    </a:solidFill>
+                  </a:rPr>
+                  <a:t>we can embed the pages and concatenate the embedding or alternatively encode the order separately. </a:t>
+                </a:r>
+                <a:r>
+                  <a:rPr lang="en-GB" dirty="0"/>
+                  <a:t>To reduce the action space, we would need either a </a:t>
+                </a:r>
+                <a:r>
+                  <a:rPr lang="en-GB" dirty="0">
+                    <a:solidFill>
+                      <a:srgbClr val="FF0000"/>
+                    </a:solidFill>
+                  </a:rPr>
+                  <a:t>hierarchical approach or policy gradient methods </a:t>
+                </a:r>
+                <a:r>
+                  <a:rPr lang="en-GB" dirty="0"/>
+                  <a:t>(learn distribution over actions and not states)</a:t>
+                </a:r>
+              </a:p>
+              <a:p>
+                <a:r>
+                  <a:rPr lang="en-GB" dirty="0"/>
+                  <a:t>The end-to-end is better with a permutation invariant method, we can first try a transformer classifier</a:t>
+                </a:r>
+              </a:p>
+              <a:p>
+                <a:endParaRPr lang="en-GB" dirty="0">
+                  <a:solidFill>
+                    <a:srgbClr val="FF0000"/>
+                  </a:solidFill>
+                </a:endParaRPr>
+              </a:p>
+              <a:p>
+                <a:r>
+                  <a:rPr lang="en-GB" dirty="0">
+                    <a:solidFill>
+                      <a:srgbClr val="FF0000"/>
+                    </a:solidFill>
+                  </a:rPr>
+                  <a:t>Implementing the transformer classifier method</a:t>
+                </a:r>
+              </a:p>
+              <a:p>
+                <a:endParaRPr lang="en-GB" dirty="0">
+                  <a:solidFill>
+                    <a:srgbClr val="FF0000"/>
+                  </a:solidFill>
+                </a:endParaRPr>
+              </a:p>
+              <a:p>
+                <a:r>
+                  <a:rPr lang="en-GB" dirty="0">
+                    <a:solidFill>
+                      <a:srgbClr val="FF0000"/>
+                    </a:solidFill>
+                  </a:rPr>
+                  <a:t>Test</a:t>
+                </a:r>
+                <a:endParaRPr lang="en-GB" dirty="0"/>
+              </a:p>
+              <a:p>
+                <a:endParaRPr lang="en-GB" dirty="0"/>
+              </a:p>
+              <a:p>
+                <a:r>
+                  <a:rPr lang="en-GB" dirty="0"/>
+                  <a:t>Next steps : add report section on transitive closure, implement permutation invariant method, maybe TSP genetic algorithm, TSP polynomial 1.5-approximation (</a:t>
+                </a:r>
+                <a:r>
+                  <a:rPr lang="en-GB" dirty="0" err="1">
+                    <a:hlinkClick r:id="rId3"/>
+                  </a:rPr>
+                  <a:t>Karlin</a:t>
+                </a:r>
+                <a:r>
+                  <a:rPr lang="en-GB" dirty="0"/>
+                  <a:t>), chapter clustering and intent detection (</a:t>
+                </a:r>
+                <a:r>
+                  <a:rPr lang="en-GB" dirty="0">
+                    <a:hlinkClick r:id="rId4"/>
+                  </a:rPr>
+                  <a:t>COPA</a:t>
+                </a:r>
+                <a:r>
+                  <a:rPr lang="en-GB" dirty="0"/>
+                  <a:t>)</a:t>
+                </a:r>
+              </a:p>
+            </p:txBody>
+          </p:sp>
+        </mc:Choice>
+        <mc:Fallback>
+          <p:sp>
+            <p:nvSpPr>
+              <p:cNvPr id="4" name="ZoneTexte 3">
+                <a:extLst>
+                  <a:ext uri="{FF2B5EF4-FFF2-40B4-BE49-F238E27FC236}">
+                    <a16:creationId xmlns:a16="http://schemas.microsoft.com/office/drawing/2014/main" id="{93BDDC07-B45F-9C22-1E02-FC384ED8FCA7}"/>
+                  </a:ext>
+                </a:extLst>
+              </p:cNvPr>
+              <p:cNvSpPr txBox="1">
+                <a:spLocks noRot="1" noChangeAspect="1" noMove="1" noResize="1" noEditPoints="1" noAdjustHandles="1" noChangeArrowheads="1" noChangeShapeType="1" noTextEdit="1"/>
+              </p:cNvSpPr>
+              <p:nvPr/>
+            </p:nvSpPr>
+            <p:spPr>
+              <a:xfrm>
+                <a:off x="614038" y="474345"/>
+                <a:ext cx="10963923" cy="5997091"/>
+              </a:xfrm>
+              <a:prstGeom prst="rect">
+                <a:avLst/>
+              </a:prstGeom>
+              <a:blipFill>
+                <a:blip r:embed="rId5"/>
+                <a:stretch>
+                  <a:fillRect l="-501" t="-610" b="-1016"/>
+                </a:stretch>
+              </a:blipFill>
+            </p:spPr>
+            <p:txBody>
+              <a:bodyPr/>
+              <a:lstStyle/>
+              <a:p>
+                <a:r>
+                  <a:rPr lang="fr-FR">
+                    <a:noFill/>
+                  </a:rPr>
+                  <a:t> </a:t>
+                </a:r>
+              </a:p>
+            </p:txBody>
+          </p:sp>
+        </mc:Fallback>
+      </mc:AlternateContent>
     </p:spTree>
     <p:extLst>
       <p:ext uri="{BB962C8B-B14F-4D97-AF65-F5344CB8AC3E}">
@@ -8711,7 +9060,7 @@
                   <a:srgbClr val="FF0000"/>
                 </a:solidFill>
               </a:rPr>
-              <a:t>Design a solution using a permutation invariant input</a:t>
+              <a:t>Design a solution using a permutation invariant input :</a:t>
             </a:r>
           </a:p>
           <a:p>
@@ -8894,7 +9243,7 @@
             </p:nvSpPr>
             <p:spPr>
               <a:xfrm>
-                <a:off x="614038" y="474345"/>
+                <a:off x="614038" y="367813"/>
                 <a:ext cx="10963923" cy="5909310"/>
               </a:xfrm>
               <a:prstGeom prst="rect">
@@ -8914,11 +9263,10 @@
                       <a:schemeClr val="tx1"/>
                     </a:solidFill>
                   </a:rPr>
-                  <a:t>Batching sentences for classifier, performance for 25 books and 100% used :</a:t>
-                </a:r>
-              </a:p>
-              <a:p>
-                <a:pPr/>
+                  <a:t>Batching sentences for classifier, performance for 25 Tom Swift books 100% used :</a:t>
+                </a:r>
+              </a:p>
+              <a:p>
                 <a14:m>
                   <m:oMath xmlns:m="http://schemas.openxmlformats.org/officeDocument/2006/math">
                     <m:r>
@@ -8928,7 +9276,16 @@
                         </a:solidFill>
                         <a:latin typeface="Cambria Math" panose="02040503050406030204" pitchFamily="18" charset="0"/>
                       </a:rPr>
-                      <m:t>77%</m:t>
+                      <m:t>80</m:t>
+                    </m:r>
+                    <m:r>
+                      <a:rPr lang="en-GB" b="0" i="1" smtClean="0">
+                        <a:solidFill>
+                          <a:schemeClr val="tx1"/>
+                        </a:solidFill>
+                        <a:latin typeface="Cambria Math" panose="02040503050406030204" pitchFamily="18" charset="0"/>
+                      </a:rPr>
+                      <m:t>%</m:t>
                     </m:r>
                   </m:oMath>
                 </a14:m>
@@ -8943,10 +9300,16 @@
                 <a14:m>
                   <m:oMath xmlns:m="http://schemas.openxmlformats.org/officeDocument/2006/math">
                     <m:r>
+                      <a:rPr lang="en-GB" b="0" i="0" smtClean="0">
+                        <a:latin typeface="Cambria Math" panose="02040503050406030204" pitchFamily="18" charset="0"/>
+                      </a:rPr>
+                      <m:t>80</m:t>
+                    </m:r>
+                    <m:r>
                       <a:rPr lang="en-GB" i="1">
                         <a:latin typeface="Cambria Math" panose="02040503050406030204" pitchFamily="18" charset="0"/>
                       </a:rPr>
-                      <m:t>77%</m:t>
+                      <m:t>%</m:t>
                     </m:r>
                   </m:oMath>
                 </a14:m>
@@ -8996,7 +9359,7 @@
                       <a:rPr lang="en-GB" b="0" i="1" smtClean="0">
                         <a:latin typeface="Cambria Math" panose="02040503050406030204" pitchFamily="18" charset="0"/>
                       </a:rPr>
-                      <m:t>63</m:t>
+                      <m:t>70</m:t>
                     </m:r>
                     <m:r>
                       <a:rPr lang="en-GB" i="1">
@@ -9016,7 +9379,13 @@
                       <a:rPr lang="en-GB" b="0" i="0" smtClean="0">
                         <a:latin typeface="Cambria Math" panose="02040503050406030204" pitchFamily="18" charset="0"/>
                       </a:rPr>
-                      <m:t>65</m:t>
+                      <m:t>7</m:t>
+                    </m:r>
+                    <m:r>
+                      <a:rPr lang="en-GB" b="0" i="1" smtClean="0">
+                        <a:latin typeface="Cambria Math" panose="02040503050406030204" pitchFamily="18" charset="0"/>
+                      </a:rPr>
+                      <m:t>0</m:t>
                     </m:r>
                     <m:r>
                       <a:rPr lang="en-GB" i="1">
@@ -9125,11 +9494,7 @@
               <a:p>
                 <a:r>
                   <a:rPr lang="en-GB" dirty="0"/>
-                  <a:t>Learned a bit about transformers, tokens, veq2seq, seq2vec, seq2seq, the underlying architecture of transformers and their advantages compared </a:t>
-                </a:r>
-                <a:r>
-                  <a:rPr lang="en-GB"/>
-                  <a:t>to LSTM</a:t>
+                  <a:t>Learned a bit about transformers, tokens, veq2seq, seq2vec, seq2seq, the underlying architecture of transformers and their advantages compared to LSTM (notably attention vectors)</a:t>
                 </a:r>
                 <a:endParaRPr lang="en-GB" dirty="0">
                   <a:solidFill>
@@ -9145,34 +9510,16 @@
                 </a:endParaRPr>
               </a:p>
               <a:p>
-                <a:r>
-                  <a:rPr lang="en-GB" dirty="0"/>
-                  <a:t>Design of the transformer end-to-end approach : The output we want is a permutation, so it is not differentiable, therefore we should use a Reinforcement Learning setup, for the input </a:t>
-                </a:r>
-                <a:r>
-                  <a:rPr lang="en-GB" dirty="0">
-                    <a:solidFill>
-                      <a:srgbClr val="FF0000"/>
-                    </a:solidFill>
-                  </a:rPr>
-                  <a:t>we can embed the pages and concatenate the embedding or alternatively encode the order separately. </a:t>
-                </a:r>
-                <a:r>
-                  <a:rPr lang="en-GB" dirty="0"/>
-                  <a:t>To reduce the action space, we would need either a </a:t>
-                </a:r>
-                <a:r>
-                  <a:rPr lang="en-GB" dirty="0">
-                    <a:solidFill>
-                      <a:srgbClr val="FF0000"/>
-                    </a:solidFill>
-                  </a:rPr>
-                  <a:t>hierarchical approach or policy gradient methods </a:t>
-                </a:r>
-                <a:r>
-                  <a:rPr lang="en-GB" dirty="0"/>
-                  <a:t>(learn distribution over actions and not states)</a:t>
-                </a:r>
+                <a:endParaRPr lang="en-GB" dirty="0"/>
+              </a:p>
+              <a:p>
+                <a:endParaRPr lang="en-GB" dirty="0"/>
+              </a:p>
+              <a:p>
+                <a:endParaRPr lang="en-GB" dirty="0"/>
+              </a:p>
+              <a:p>
+                <a:endParaRPr lang="en-GB" dirty="0"/>
               </a:p>
               <a:p>
                 <a:endParaRPr lang="en-GB" dirty="0"/>
@@ -9200,7 +9547,7 @@
                 </a:r>
                 <a:r>
                   <a:rPr lang="en-GB" dirty="0"/>
-                  <a:t>)</a:t>
+                  <a:t>), </a:t>
                 </a:r>
               </a:p>
             </p:txBody>
@@ -9223,7 +9570,7 @@
             </p:nvSpPr>
             <p:spPr>
               <a:xfrm>
-                <a:off x="614038" y="474345"/>
+                <a:off x="614038" y="367813"/>
                 <a:ext cx="10963923" cy="5909310"/>
               </a:xfrm>
               <a:prstGeom prst="rect">
@@ -9232,7 +9579,7 @@
               <a:blipFill>
                 <a:blip r:embed="rId5"/>
                 <a:stretch>
-                  <a:fillRect l="-501" t="-619" r="-779" b="-722"/>
+                  <a:fillRect l="-501" t="-515" r="-779" b="-619"/>
                 </a:stretch>
               </a:blipFill>
             </p:spPr>

--- a/Weekly/Weekly Summary.pptx
+++ b/Weekly/Weekly Summary.pptx
@@ -207,7 +207,7 @@
           <a:p>
             <a:fld id="{97AA29BE-90D3-453E-BCA3-9C9A36AE1283}" type="datetimeFigureOut">
               <a:rPr lang="fr-FR" smtClean="0"/>
-              <a:t>02/12/2023</a:t>
+              <a:t>05/12/2023</a:t>
             </a:fld>
             <a:endParaRPr lang="fr-FR"/>
           </a:p>
@@ -1209,7 +1209,7 @@
           <a:p>
             <a:fld id="{50E6F2E4-EC72-4332-BBE8-543D85D64276}" type="datetimeFigureOut">
               <a:rPr lang="fr-FR" smtClean="0"/>
-              <a:t>02/12/2023</a:t>
+              <a:t>05/12/2023</a:t>
             </a:fld>
             <a:endParaRPr lang="fr-FR"/>
           </a:p>
@@ -1407,7 +1407,7 @@
           <a:p>
             <a:fld id="{50E6F2E4-EC72-4332-BBE8-543D85D64276}" type="datetimeFigureOut">
               <a:rPr lang="fr-FR" smtClean="0"/>
-              <a:t>02/12/2023</a:t>
+              <a:t>05/12/2023</a:t>
             </a:fld>
             <a:endParaRPr lang="fr-FR"/>
           </a:p>
@@ -1615,7 +1615,7 @@
           <a:p>
             <a:fld id="{50E6F2E4-EC72-4332-BBE8-543D85D64276}" type="datetimeFigureOut">
               <a:rPr lang="fr-FR" smtClean="0"/>
-              <a:t>02/12/2023</a:t>
+              <a:t>05/12/2023</a:t>
             </a:fld>
             <a:endParaRPr lang="fr-FR"/>
           </a:p>
@@ -1813,7 +1813,7 @@
           <a:p>
             <a:fld id="{50E6F2E4-EC72-4332-BBE8-543D85D64276}" type="datetimeFigureOut">
               <a:rPr lang="fr-FR" smtClean="0"/>
-              <a:t>02/12/2023</a:t>
+              <a:t>05/12/2023</a:t>
             </a:fld>
             <a:endParaRPr lang="fr-FR"/>
           </a:p>
@@ -2088,7 +2088,7 @@
           <a:p>
             <a:fld id="{50E6F2E4-EC72-4332-BBE8-543D85D64276}" type="datetimeFigureOut">
               <a:rPr lang="fr-FR" smtClean="0"/>
-              <a:t>02/12/2023</a:t>
+              <a:t>05/12/2023</a:t>
             </a:fld>
             <a:endParaRPr lang="fr-FR"/>
           </a:p>
@@ -2353,7 +2353,7 @@
           <a:p>
             <a:fld id="{50E6F2E4-EC72-4332-BBE8-543D85D64276}" type="datetimeFigureOut">
               <a:rPr lang="fr-FR" smtClean="0"/>
-              <a:t>02/12/2023</a:t>
+              <a:t>05/12/2023</a:t>
             </a:fld>
             <a:endParaRPr lang="fr-FR"/>
           </a:p>
@@ -2765,7 +2765,7 @@
           <a:p>
             <a:fld id="{50E6F2E4-EC72-4332-BBE8-543D85D64276}" type="datetimeFigureOut">
               <a:rPr lang="fr-FR" smtClean="0"/>
-              <a:t>02/12/2023</a:t>
+              <a:t>05/12/2023</a:t>
             </a:fld>
             <a:endParaRPr lang="fr-FR"/>
           </a:p>
@@ -2906,7 +2906,7 @@
           <a:p>
             <a:fld id="{50E6F2E4-EC72-4332-BBE8-543D85D64276}" type="datetimeFigureOut">
               <a:rPr lang="fr-FR" smtClean="0"/>
-              <a:t>02/12/2023</a:t>
+              <a:t>05/12/2023</a:t>
             </a:fld>
             <a:endParaRPr lang="fr-FR"/>
           </a:p>
@@ -3019,7 +3019,7 @@
           <a:p>
             <a:fld id="{50E6F2E4-EC72-4332-BBE8-543D85D64276}" type="datetimeFigureOut">
               <a:rPr lang="fr-FR" smtClean="0"/>
-              <a:t>02/12/2023</a:t>
+              <a:t>05/12/2023</a:t>
             </a:fld>
             <a:endParaRPr lang="fr-FR"/>
           </a:p>
@@ -3330,7 +3330,7 @@
           <a:p>
             <a:fld id="{50E6F2E4-EC72-4332-BBE8-543D85D64276}" type="datetimeFigureOut">
               <a:rPr lang="fr-FR" smtClean="0"/>
-              <a:t>02/12/2023</a:t>
+              <a:t>05/12/2023</a:t>
             </a:fld>
             <a:endParaRPr lang="fr-FR"/>
           </a:p>
@@ -3618,7 +3618,7 @@
           <a:p>
             <a:fld id="{50E6F2E4-EC72-4332-BBE8-543D85D64276}" type="datetimeFigureOut">
               <a:rPr lang="fr-FR" smtClean="0"/>
-              <a:t>02/12/2023</a:t>
+              <a:t>05/12/2023</a:t>
             </a:fld>
             <a:endParaRPr lang="fr-FR"/>
           </a:p>
@@ -3859,7 +3859,7 @@
           <a:p>
             <a:fld id="{50E6F2E4-EC72-4332-BBE8-543D85D64276}" type="datetimeFigureOut">
               <a:rPr lang="fr-FR" smtClean="0"/>
-              <a:t>02/12/2023</a:t>
+              <a:t>05/12/2023</a:t>
             </a:fld>
             <a:endParaRPr lang="fr-FR"/>
           </a:p>
@@ -4409,8 +4409,8 @@
             </p:nvSpPr>
             <p:spPr>
               <a:xfrm>
-                <a:off x="614038" y="474345"/>
-                <a:ext cx="10963923" cy="5997091"/>
+                <a:off x="614038" y="372748"/>
+                <a:ext cx="10963923" cy="6018507"/>
               </a:xfrm>
               <a:prstGeom prst="rect">
                 <a:avLst/>
@@ -4607,6 +4607,7 @@
                 </a:r>
               </a:p>
               <a:p>
+                <a:pPr/>
                 <a14:m>
                   <m:oMathPara xmlns:m="http://schemas.openxmlformats.org/officeDocument/2006/math">
                     <m:oMathParaPr>
@@ -4617,6 +4618,9 @@
                         <m:sSubPr>
                           <m:ctrlPr>
                             <a:rPr lang="en-GB" b="0" i="1" smtClean="0">
+                              <a:solidFill>
+                                <a:srgbClr val="FF0000"/>
+                              </a:solidFill>
                               <a:latin typeface="Cambria Math" panose="02040503050406030204" pitchFamily="18" charset="0"/>
                               <a:ea typeface="Cambria Math" panose="02040503050406030204" pitchFamily="18" charset="0"/>
                             </a:rPr>
@@ -4625,6 +4629,9 @@
                         <m:e>
                           <m:r>
                             <a:rPr lang="en-GB" i="1" smtClean="0">
+                              <a:solidFill>
+                                <a:srgbClr val="FF0000"/>
+                              </a:solidFill>
                               <a:latin typeface="Cambria Math" panose="02040503050406030204" pitchFamily="18" charset="0"/>
                               <a:ea typeface="Cambria Math" panose="02040503050406030204" pitchFamily="18" charset="0"/>
                             </a:rPr>
@@ -4634,6 +4641,9 @@
                         <m:sub>
                           <m:r>
                             <a:rPr lang="en-GB" b="0" i="1" smtClean="0">
+                              <a:solidFill>
+                                <a:srgbClr val="FF0000"/>
+                              </a:solidFill>
                               <a:latin typeface="Cambria Math" panose="02040503050406030204" pitchFamily="18" charset="0"/>
                               <a:ea typeface="Cambria Math" panose="02040503050406030204" pitchFamily="18" charset="0"/>
                             </a:rPr>
@@ -4643,6 +4653,9 @@
                       </m:sSub>
                       <m:r>
                         <a:rPr lang="en-GB" b="0" i="1" smtClean="0">
+                          <a:solidFill>
+                            <a:srgbClr val="FF0000"/>
+                          </a:solidFill>
                           <a:latin typeface="Cambria Math" panose="02040503050406030204" pitchFamily="18" charset="0"/>
                           <a:ea typeface="Cambria Math" panose="02040503050406030204" pitchFamily="18" charset="0"/>
                         </a:rPr>
@@ -4652,6 +4665,9 @@
                         <m:sSubPr>
                           <m:ctrlPr>
                             <a:rPr lang="en-GB" b="0" i="1" smtClean="0">
+                              <a:solidFill>
+                                <a:srgbClr val="FF0000"/>
+                              </a:solidFill>
                               <a:latin typeface="Cambria Math" panose="02040503050406030204" pitchFamily="18" charset="0"/>
                               <a:ea typeface="Cambria Math" panose="02040503050406030204" pitchFamily="18" charset="0"/>
                             </a:rPr>
@@ -4660,6 +4676,9 @@
                         <m:e>
                           <m:r>
                             <a:rPr lang="en-GB" b="0" i="1" smtClean="0">
+                              <a:solidFill>
+                                <a:srgbClr val="FF0000"/>
+                              </a:solidFill>
                               <a:latin typeface="Cambria Math" panose="02040503050406030204" pitchFamily="18" charset="0"/>
                               <a:ea typeface="Cambria Math" panose="02040503050406030204" pitchFamily="18" charset="0"/>
                             </a:rPr>
@@ -4669,6 +4688,9 @@
                         <m:sub>
                           <m:r>
                             <a:rPr lang="en-GB" b="0" i="1" smtClean="0">
+                              <a:solidFill>
+                                <a:srgbClr val="FF0000"/>
+                              </a:solidFill>
                               <a:latin typeface="Cambria Math" panose="02040503050406030204" pitchFamily="18" charset="0"/>
                               <a:ea typeface="Cambria Math" panose="02040503050406030204" pitchFamily="18" charset="0"/>
                             </a:rPr>
@@ -4678,6 +4700,9 @@
                       </m:sSub>
                       <m:r>
                         <a:rPr lang="en-GB" b="0" i="1" smtClean="0">
+                          <a:solidFill>
+                            <a:srgbClr val="FF0000"/>
+                          </a:solidFill>
                           <a:latin typeface="Cambria Math" panose="02040503050406030204" pitchFamily="18" charset="0"/>
                           <a:ea typeface="Cambria Math" panose="02040503050406030204" pitchFamily="18" charset="0"/>
                         </a:rPr>
@@ -4686,7 +4711,11 @@
                     </m:oMath>
                   </m:oMathPara>
                 </a14:m>
-                <a:endParaRPr lang="en-GB" dirty="0"/>
+                <a:endParaRPr lang="en-GB" dirty="0">
+                  <a:solidFill>
+                    <a:srgbClr val="FF0000"/>
+                  </a:solidFill>
+                </a:endParaRPr>
               </a:p>
               <a:p>
                 <a:r>
@@ -4695,6 +4724,7 @@
                 </a:r>
               </a:p>
               <a:p>
+                <a:pPr/>
                 <a14:m>
                   <m:oMathPara xmlns:m="http://schemas.openxmlformats.org/officeDocument/2006/math">
                     <m:oMathParaPr>
@@ -4777,42 +4807,50 @@
                 <a:endParaRPr lang="en-GB" dirty="0"/>
               </a:p>
               <a:p>
-                <a:endParaRPr lang="en-GB" dirty="0"/>
-              </a:p>
-              <a:p>
-                <a:r>
-                  <a:rPr lang="en-GB" dirty="0"/>
-                  <a:t>Design of the transformer end-to-end approach : The output we want is a permutation, so it is not differentiable, therefore we should use a Reinforcement Learning setup, for the input </a:t>
-                </a:r>
+                <a:endParaRPr lang="en-GB" dirty="0">
+                  <a:solidFill>
+                    <a:srgbClr val="FF0000"/>
+                  </a:solidFill>
+                </a:endParaRPr>
+              </a:p>
+              <a:p>
                 <a:r>
                   <a:rPr lang="en-GB" dirty="0">
                     <a:solidFill>
                       <a:srgbClr val="FF0000"/>
                     </a:solidFill>
                   </a:rPr>
-                  <a:t>we can embed the pages and concatenate the embedding or alternatively encode the order separately. </a:t>
-                </a:r>
-                <a:r>
-                  <a:rPr lang="en-GB" dirty="0"/>
-                  <a:t>To reduce the action space, we would need either a </a:t>
-                </a:r>
+                  <a:t>Report:</a:t>
+                </a:r>
+              </a:p>
+              <a:p>
                 <a:r>
                   <a:rPr lang="en-GB" dirty="0">
                     <a:solidFill>
                       <a:srgbClr val="FF0000"/>
                     </a:solidFill>
                   </a:rPr>
-                  <a:t>hierarchical approach or policy gradient methods </a:t>
-                </a:r>
-                <a:r>
-                  <a:rPr lang="en-GB" dirty="0"/>
-                  <a:t>(learn distribution over actions and not states)</a:t>
-                </a:r>
-              </a:p>
-              <a:p>
-                <a:r>
-                  <a:rPr lang="en-GB" dirty="0"/>
-                  <a:t>The end-to-end is better with a permutation invariant method, we can first try a transformer classifier</a:t>
+                  <a:t>- Transitive closure</a:t>
+                </a:r>
+              </a:p>
+              <a:p>
+                <a:r>
+                  <a:rPr lang="en-GB" dirty="0">
+                    <a:solidFill>
+                      <a:srgbClr val="FF0000"/>
+                    </a:solidFill>
+                  </a:rPr>
+                  <a:t>- TSP approximation analysis</a:t>
+                </a:r>
+              </a:p>
+              <a:p>
+                <a:r>
+                  <a:rPr lang="en-GB" dirty="0">
+                    <a:solidFill>
+                      <a:srgbClr val="FF0000"/>
+                    </a:solidFill>
+                  </a:rPr>
+                  <a:t>- token reordering vs embedding reordering</a:t>
                 </a:r>
               </a:p>
               <a:p>
@@ -4823,16 +4861,6 @@
                 </a:endParaRPr>
               </a:p>
               <a:p>
-                <a:r>
-                  <a:rPr lang="en-GB" dirty="0">
-                    <a:solidFill>
-                      <a:srgbClr val="FF0000"/>
-                    </a:solidFill>
-                  </a:rPr>
-                  <a:t>Implementing the transformer classifier method</a:t>
-                </a:r>
-              </a:p>
-              <a:p>
                 <a:endParaRPr lang="en-GB" dirty="0">
                   <a:solidFill>
                     <a:srgbClr val="FF0000"/>
@@ -4840,23 +4868,25 @@
                 </a:endParaRPr>
               </a:p>
               <a:p>
-                <a:r>
-                  <a:rPr lang="en-GB" dirty="0">
-                    <a:solidFill>
-                      <a:srgbClr val="FF0000"/>
-                    </a:solidFill>
-                  </a:rPr>
-                  <a:t>Test</a:t>
-                </a:r>
+                <a:endParaRPr lang="en-GB" dirty="0">
+                  <a:solidFill>
+                    <a:srgbClr val="FF0000"/>
+                  </a:solidFill>
+                </a:endParaRPr>
+              </a:p>
+              <a:p>
                 <a:endParaRPr lang="en-GB" dirty="0"/>
               </a:p>
               <a:p>
                 <a:endParaRPr lang="en-GB" dirty="0"/>
               </a:p>
               <a:p>
+                <a:endParaRPr lang="en-GB" dirty="0"/>
+              </a:p>
+              <a:p>
                 <a:r>
                   <a:rPr lang="en-GB" dirty="0"/>
-                  <a:t>Next steps : add report section on transitive closure, implement permutation invariant method, maybe TSP genetic algorithm, TSP polynomial 1.5-approximation (</a:t>
+                  <a:t>Next steps : implement permutation invariant method, maybe TSP genetic algorithm, TSP polynomial 1.5-approximation (</a:t>
                 </a:r>
                 <a:r>
                   <a:rPr lang="en-GB" dirty="0" err="1">
@@ -4899,8 +4929,8 @@
             </p:nvSpPr>
             <p:spPr>
               <a:xfrm>
-                <a:off x="614038" y="474345"/>
-                <a:ext cx="10963923" cy="5997091"/>
+                <a:off x="614038" y="372748"/>
+                <a:ext cx="10963923" cy="6018507"/>
               </a:xfrm>
               <a:prstGeom prst="rect">
                 <a:avLst/>
@@ -4908,7 +4938,7 @@
               <a:blipFill>
                 <a:blip r:embed="rId5"/>
                 <a:stretch>
-                  <a:fillRect l="-501" t="-610" b="-1016"/>
+                  <a:fillRect l="-501" t="-507" b="-709"/>
                 </a:stretch>
               </a:blipFill>
             </p:spPr>
@@ -4991,7 +5021,7 @@
                   <a:srgbClr val="FF0000"/>
                 </a:solidFill>
               </a:rPr>
-              <a:t>Finished implementing the permutation invariant method</a:t>
+              <a:t>Implementing the set transformer</a:t>
             </a:r>
           </a:p>
           <a:p>
@@ -5002,6 +5032,16 @@
             </a:endParaRPr>
           </a:p>
           <a:p>
+            <a:r>
+              <a:rPr lang="en-GB" dirty="0">
+                <a:solidFill>
+                  <a:srgbClr val="FF0000"/>
+                </a:solidFill>
+              </a:rPr>
+              <a:t>DRAWING</a:t>
+            </a:r>
+          </a:p>
+          <a:p>
             <a:endParaRPr lang="en-GB" dirty="0">
               <a:solidFill>
                 <a:srgbClr val="FF0000"/>
@@ -5009,6 +5049,16 @@
             </a:endParaRPr>
           </a:p>
           <a:p>
+            <a:r>
+              <a:rPr lang="en-GB" dirty="0">
+                <a:solidFill>
+                  <a:srgbClr val="FF0000"/>
+                </a:solidFill>
+              </a:rPr>
+              <a:t>Test</a:t>
+            </a:r>
+          </a:p>
+          <a:p>
             <a:endParaRPr lang="en-GB" dirty="0">
               <a:solidFill>
                 <a:srgbClr val="FF0000"/>
@@ -5016,6 +5066,16 @@
             </a:endParaRPr>
           </a:p>
           <a:p>
+            <a:r>
+              <a:rPr lang="en-GB" dirty="0">
+                <a:solidFill>
+                  <a:srgbClr val="FF0000"/>
+                </a:solidFill>
+              </a:rPr>
+              <a:t>Improvements on the set transformer (add to report)</a:t>
+            </a:r>
+          </a:p>
+          <a:p>
             <a:endParaRPr lang="en-GB" dirty="0">
               <a:solidFill>
                 <a:srgbClr val="FF0000"/>
@@ -5023,6 +5083,16 @@
             </a:endParaRPr>
           </a:p>
           <a:p>
+            <a:r>
+              <a:rPr lang="en-GB" dirty="0">
+                <a:solidFill>
+                  <a:srgbClr val="FF0000"/>
+                </a:solidFill>
+              </a:rPr>
+              <a:t>Adaptions from the set transformer (add to report)</a:t>
+            </a:r>
+          </a:p>
+          <a:p>
             <a:endParaRPr lang="en-GB" dirty="0">
               <a:solidFill>
                 <a:srgbClr val="FF0000"/>
@@ -5030,39 +5100,14 @@
             </a:endParaRPr>
           </a:p>
           <a:p>
-            <a:endParaRPr lang="en-GB" dirty="0">
-              <a:solidFill>
-                <a:srgbClr val="FF0000"/>
-              </a:solidFill>
-            </a:endParaRPr>
-          </a:p>
-          <a:p>
-            <a:endParaRPr lang="en-GB" dirty="0">
-              <a:solidFill>
-                <a:srgbClr val="FF0000"/>
-              </a:solidFill>
-            </a:endParaRPr>
-          </a:p>
-          <a:p>
-            <a:endParaRPr lang="en-GB" dirty="0">
-              <a:solidFill>
-                <a:srgbClr val="FF0000"/>
-              </a:solidFill>
-            </a:endParaRPr>
-          </a:p>
-          <a:p>
-            <a:endParaRPr lang="en-GB" dirty="0">
-              <a:solidFill>
-                <a:srgbClr val="FF0000"/>
-              </a:solidFill>
-            </a:endParaRPr>
-          </a:p>
-          <a:p>
-            <a:endParaRPr lang="en-GB" dirty="0">
-              <a:solidFill>
-                <a:srgbClr val="FF0000"/>
-              </a:solidFill>
-            </a:endParaRPr>
+            <a:r>
+              <a:rPr lang="en-GB" dirty="0">
+                <a:solidFill>
+                  <a:srgbClr val="FF0000"/>
+                </a:solidFill>
+              </a:rPr>
+              <a:t>Old English tokenizer</a:t>
+            </a:r>
           </a:p>
           <a:p>
             <a:endParaRPr lang="en-GB" dirty="0">
@@ -9022,11 +9067,16 @@
           <a:lstStyle/>
           <a:p>
             <a:r>
-              <a:rPr lang="en-GB" dirty="0">
-                <a:solidFill>
-                  <a:srgbClr val="FF0000"/>
-                </a:solidFill>
-              </a:rPr>
+              <a:rPr lang="en-GB" dirty="0"/>
+              <a:t>Learned a bit about transformers, tokens, veq2seq, seq2vec, seq2seq, the underlying architecture of transformers and their advantages compared to LSTM, positional embedding, the multi-head attention mechanism, residual connections (equivalent of skip blocks in computer vision)</a:t>
+            </a:r>
+          </a:p>
+          <a:p>
+            <a:endParaRPr lang="en-GB" dirty="0"/>
+          </a:p>
+          <a:p>
+            <a:r>
+              <a:rPr lang="en-GB" dirty="0"/>
               <a:t>Literature survey on set-to-sequence problems in ML (40 pages) :</a:t>
             </a:r>
           </a:p>
@@ -9055,13 +9105,61 @@
           </a:p>
           <a:p>
             <a:r>
+              <a:rPr lang="en-GB" dirty="0"/>
+              <a:t>Design of the transformer end-to-end approach, main challenges are</a:t>
+            </a:r>
+          </a:p>
+          <a:p>
+            <a:r>
+              <a:rPr lang="en-GB" dirty="0"/>
+              <a:t>- To design the output representing a distribution in the permutation space in a computationally reasonable way  </a:t>
+            </a:r>
+          </a:p>
+          <a:p>
+            <a:r>
+              <a:rPr lang="en-GB" dirty="0"/>
+              <a:t>- Design the network so it is not dependent on the input order – </a:t>
+            </a:r>
+            <a:r>
+              <a:rPr lang="en-GB" i="1" dirty="0" err="1"/>
+              <a:t>ie</a:t>
+            </a:r>
+            <a:r>
+              <a:rPr lang="en-GB" dirty="0"/>
+              <a:t> input set coding is permutation invariant or equivariant</a:t>
+            </a:r>
+          </a:p>
+          <a:p>
+            <a:r>
+              <a:rPr lang="en-GB" dirty="0"/>
+              <a:t>- Alternatively, we can use a transformer with whole pages as tokens, but the transformer might not grasp any semantic meaning</a:t>
+            </a:r>
+          </a:p>
+          <a:p>
+            <a:endParaRPr lang="en-GB" dirty="0"/>
+          </a:p>
+          <a:p>
+            <a:r>
+              <a:rPr lang="en-GB" dirty="0"/>
+              <a:t>There are hierarchical auto-encoder solutions (</a:t>
+            </a:r>
+            <a:r>
               <a:rPr lang="en-GB" dirty="0">
-                <a:solidFill>
-                  <a:srgbClr val="FF0000"/>
-                </a:solidFill>
+                <a:hlinkClick r:id="rId4"/>
               </a:rPr>
-              <a:t>Design a solution using a permutation invariant input :</a:t>
+              <a:t>example</a:t>
             </a:r>
+            <a:r>
+              <a:rPr lang="en-GB" dirty="0"/>
+              <a:t>) but we will focus on designing a solution using a permutation invariant input and attention pointer output based on </a:t>
+            </a:r>
+            <a:r>
+              <a:rPr lang="en-GB" dirty="0">
+                <a:hlinkClick r:id="rId5"/>
+              </a:rPr>
+              <a:t>Set Transformer </a:t>
+            </a:r>
+            <a:endParaRPr lang="en-GB" dirty="0"/>
           </a:p>
           <a:p>
             <a:endParaRPr lang="en-GB" dirty="0">
@@ -9071,110 +9169,7 @@
             </a:endParaRPr>
           </a:p>
           <a:p>
-            <a:endParaRPr lang="en-GB" dirty="0">
-              <a:solidFill>
-                <a:srgbClr val="FF0000"/>
-              </a:solidFill>
-            </a:endParaRPr>
-          </a:p>
-          <a:p>
-            <a:r>
-              <a:rPr lang="en-GB" dirty="0">
-                <a:solidFill>
-                  <a:srgbClr val="FF0000"/>
-                </a:solidFill>
-              </a:rPr>
-              <a:t>Report: </a:t>
-            </a:r>
-          </a:p>
-          <a:p>
-            <a:r>
-              <a:rPr lang="en-GB" dirty="0">
-                <a:solidFill>
-                  <a:srgbClr val="FF0000"/>
-                </a:solidFill>
-              </a:rPr>
-              <a:t>- formal description of the current classifier approach</a:t>
-            </a:r>
-          </a:p>
-          <a:p>
-            <a:r>
-              <a:rPr lang="en-GB" dirty="0">
-                <a:solidFill>
-                  <a:srgbClr val="FF0000"/>
-                </a:solidFill>
-              </a:rPr>
-              <a:t>- summary of the points related to set-to-sequence in the survey</a:t>
-            </a:r>
-          </a:p>
-          <a:p>
-            <a:r>
-              <a:rPr lang="en-GB" dirty="0">
-                <a:solidFill>
-                  <a:srgbClr val="FF0000"/>
-                </a:solidFill>
-              </a:rPr>
-              <a:t>- description of the transformer approach</a:t>
-            </a:r>
-          </a:p>
-          <a:p>
-            <a:r>
-              <a:rPr lang="en-GB" dirty="0">
-                <a:solidFill>
-                  <a:srgbClr val="FF0000"/>
-                </a:solidFill>
-              </a:rPr>
-              <a:t>- description of the permutation invariant approach</a:t>
-            </a:r>
-          </a:p>
-          <a:p>
-            <a:endParaRPr lang="en-GB" dirty="0">
-              <a:solidFill>
-                <a:srgbClr val="FF0000"/>
-              </a:solidFill>
-            </a:endParaRPr>
-          </a:p>
-          <a:p>
-            <a:endParaRPr lang="en-GB" dirty="0">
-              <a:solidFill>
-                <a:srgbClr val="FF0000"/>
-              </a:solidFill>
-            </a:endParaRPr>
-          </a:p>
-          <a:p>
-            <a:endParaRPr lang="en-GB" dirty="0">
-              <a:solidFill>
-                <a:srgbClr val="FF0000"/>
-              </a:solidFill>
-            </a:endParaRPr>
-          </a:p>
-          <a:p>
-            <a:endParaRPr lang="en-GB" dirty="0">
-              <a:solidFill>
-                <a:srgbClr val="FF0000"/>
-              </a:solidFill>
-            </a:endParaRPr>
-          </a:p>
-          <a:p>
-            <a:endParaRPr lang="en-GB" dirty="0">
-              <a:solidFill>
-                <a:srgbClr val="FF0000"/>
-              </a:solidFill>
-            </a:endParaRPr>
-          </a:p>
-          <a:p>
-            <a:endParaRPr lang="en-GB" dirty="0">
-              <a:solidFill>
-                <a:srgbClr val="FF0000"/>
-              </a:solidFill>
-            </a:endParaRPr>
-          </a:p>
-          <a:p>
-            <a:endParaRPr lang="en-GB" dirty="0">
-              <a:solidFill>
-                <a:srgbClr val="FF0000"/>
-              </a:solidFill>
-            </a:endParaRPr>
+            <a:endParaRPr lang="en-GB" dirty="0"/>
           </a:p>
           <a:p>
             <a:endParaRPr lang="en-GB" dirty="0"/>
@@ -9182,17 +9177,7 @@
           <a:p>
             <a:r>
               <a:rPr lang="en-GB" dirty="0"/>
-              <a:t>Next steps : from BERT to JINA, batch sentences, database with pages, implement the full end-to-end transformer, implement permutation invariant method, chapter clustering, maybe intent detection (</a:t>
-            </a:r>
-            <a:r>
-              <a:rPr lang="en-GB" dirty="0">
-                <a:hlinkClick r:id="rId4"/>
-              </a:rPr>
-              <a:t>COPA</a:t>
-            </a:r>
-            <a:r>
-              <a:rPr lang="en-GB" dirty="0"/>
-              <a:t>)</a:t>
+              <a:t>Next steps : from BERT to JINA, batch sentences, database with pages, implement the full end-to-end permutation invariant transformer, chapter clustering</a:t>
             </a:r>
           </a:p>
         </p:txBody>
@@ -9227,8 +9212,8 @@
           <a:chExt cx="0" cy="0"/>
         </a:xfrm>
       </p:grpSpPr>
-      <mc:AlternateContent xmlns:mc="http://schemas.openxmlformats.org/markup-compatibility/2006">
-        <mc:Choice xmlns:a14="http://schemas.microsoft.com/office/drawing/2010/main" Requires="a14">
+      <mc:AlternateContent xmlns:mc="http://schemas.openxmlformats.org/markup-compatibility/2006" xmlns:a14="http://schemas.microsoft.com/office/drawing/2010/main">
+        <mc:Choice Requires="a14">
           <p:sp>
             <p:nvSpPr>
               <p:cNvPr id="4" name="ZoneTexte 3">
@@ -9243,7 +9228,7 @@
             </p:nvSpPr>
             <p:spPr>
               <a:xfrm>
-                <a:off x="614038" y="367813"/>
+                <a:off x="614038" y="474345"/>
                 <a:ext cx="10963923" cy="5909310"/>
               </a:xfrm>
               <a:prstGeom prst="rect">
@@ -9276,16 +9261,7 @@
                         </a:solidFill>
                         <a:latin typeface="Cambria Math" panose="02040503050406030204" pitchFamily="18" charset="0"/>
                       </a:rPr>
-                      <m:t>80</m:t>
-                    </m:r>
-                    <m:r>
-                      <a:rPr lang="en-GB" b="0" i="1" smtClean="0">
-                        <a:solidFill>
-                          <a:schemeClr val="tx1"/>
-                        </a:solidFill>
-                        <a:latin typeface="Cambria Math" panose="02040503050406030204" pitchFamily="18" charset="0"/>
-                      </a:rPr>
-                      <m:t>%</m:t>
+                      <m:t>80%</m:t>
                     </m:r>
                   </m:oMath>
                 </a14:m>
@@ -9493,67 +9469,74 @@
               </a:p>
               <a:p>
                 <a:r>
+                  <a:rPr lang="en-GB" dirty="0">
+                    <a:solidFill>
+                      <a:srgbClr val="FF0000"/>
+                    </a:solidFill>
+                  </a:rPr>
+                  <a:t>Report: </a:t>
+                </a:r>
+              </a:p>
+              <a:p>
+                <a:r>
+                  <a:rPr lang="en-GB" dirty="0">
+                    <a:solidFill>
+                      <a:srgbClr val="FF0000"/>
+                    </a:solidFill>
+                  </a:rPr>
+                  <a:t>- formal description of the current classifier approach</a:t>
+                </a:r>
+              </a:p>
+              <a:p>
+                <a:r>
+                  <a:rPr lang="en-GB" dirty="0">
+                    <a:solidFill>
+                      <a:srgbClr val="FF0000"/>
+                    </a:solidFill>
+                  </a:rPr>
+                  <a:t>- 2 challenges of the set-to-sequence problem </a:t>
+                </a:r>
+              </a:p>
+              <a:p>
+                <a:r>
+                  <a:rPr lang="en-GB" dirty="0">
+                    <a:solidFill>
+                      <a:srgbClr val="FF0000"/>
+                    </a:solidFill>
+                  </a:rPr>
+                  <a:t>- permutation invariance is not necessary and equivariance is enough</a:t>
+                </a:r>
+              </a:p>
+              <a:p>
+                <a:r>
+                  <a:rPr lang="en-GB" dirty="0">
+                    <a:solidFill>
+                      <a:srgbClr val="FF0000"/>
+                    </a:solidFill>
+                  </a:rPr>
+                  <a:t>- description of the Set Transformer approach</a:t>
+                </a:r>
+                <a:endParaRPr lang="en-GB" dirty="0"/>
+              </a:p>
+              <a:p>
+                <a:endParaRPr lang="en-GB" dirty="0"/>
+              </a:p>
+              <a:p>
+                <a:endParaRPr lang="en-GB" dirty="0"/>
+              </a:p>
+              <a:p>
+                <a:endParaRPr lang="en-GB" dirty="0"/>
+              </a:p>
+              <a:p>
+                <a:r>
                   <a:rPr lang="en-GB" dirty="0"/>
-                  <a:t>Learned a bit about transformers, tokens, veq2seq, seq2vec, seq2seq, the underlying architecture of transformers and their advantages compared to LSTM (notably attention vectors)</a:t>
-                </a:r>
-                <a:endParaRPr lang="en-GB" dirty="0">
-                  <a:solidFill>
-                    <a:srgbClr val="FF0000"/>
-                  </a:solidFill>
-                </a:endParaRPr>
-              </a:p>
-              <a:p>
-                <a:endParaRPr lang="en-GB" dirty="0">
-                  <a:solidFill>
-                    <a:srgbClr val="FF0000"/>
-                  </a:solidFill>
-                </a:endParaRPr>
-              </a:p>
-              <a:p>
-                <a:endParaRPr lang="en-GB" dirty="0"/>
-              </a:p>
-              <a:p>
-                <a:endParaRPr lang="en-GB" dirty="0"/>
-              </a:p>
-              <a:p>
-                <a:endParaRPr lang="en-GB" dirty="0"/>
-              </a:p>
-              <a:p>
-                <a:endParaRPr lang="en-GB" dirty="0"/>
-              </a:p>
-              <a:p>
-                <a:endParaRPr lang="en-GB" dirty="0"/>
-              </a:p>
-              <a:p>
-                <a:r>
-                  <a:rPr lang="en-GB" dirty="0"/>
-                  <a:t>Next steps : implement the designed end-to-end transformer, implement permutation invariant method, maybe TSP genetic algorithm, TSP polynomial 1.5-approximation (</a:t>
-                </a:r>
-                <a:r>
-                  <a:rPr lang="en-GB" dirty="0" err="1">
-                    <a:hlinkClick r:id="rId3"/>
-                  </a:rPr>
-                  <a:t>Karlin</a:t>
-                </a:r>
-                <a:r>
-                  <a:rPr lang="en-GB" dirty="0"/>
-                  <a:t>), chapter clustering and intent detection (</a:t>
-                </a:r>
-                <a:r>
-                  <a:rPr lang="en-GB" dirty="0">
-                    <a:hlinkClick r:id="rId4"/>
-                  </a:rPr>
-                  <a:t>COPA</a:t>
-                </a:r>
-                <a:r>
-                  <a:rPr lang="en-GB" dirty="0"/>
-                  <a:t>), </a:t>
+                  <a:t>Next steps : implement the full end-to-end permutation invariant transformer, chapter clustering, maybe TSP genetic algorithm</a:t>
                 </a:r>
               </a:p>
             </p:txBody>
           </p:sp>
         </mc:Choice>
-        <mc:Fallback>
+        <mc:Fallback xmlns="">
           <p:sp>
             <p:nvSpPr>
               <p:cNvPr id="4" name="ZoneTexte 3">
@@ -9570,16 +9553,16 @@
             </p:nvSpPr>
             <p:spPr>
               <a:xfrm>
-                <a:off x="614038" y="367813"/>
+                <a:off x="614038" y="474345"/>
                 <a:ext cx="10963923" cy="5909310"/>
               </a:xfrm>
               <a:prstGeom prst="rect">
                 <a:avLst/>
               </a:prstGeom>
               <a:blipFill>
-                <a:blip r:embed="rId5"/>
+                <a:blip r:embed="rId3"/>
                 <a:stretch>
-                  <a:fillRect l="-501" t="-515" r="-779" b="-619"/>
+                  <a:fillRect l="-501" t="-619" r="-278" b="-722"/>
                 </a:stretch>
               </a:blipFill>
             </p:spPr>
